--- a/TeamA/Presentations/종합설계프로젝트 계획발표_20180326.pptx
+++ b/TeamA/Presentations/종합설계프로젝트 계획발표_20180326.pptx
@@ -472,7 +472,7 @@
         </pc:spChg>
       </pc:sldChg>
       <pc:sldChg chg="modSp">
-        <pc:chgData name="김경만" userId="8cab216f9b18b032" providerId="LiveId" clId="{4ED50C9F-4B5B-4DF8-938B-6E3DEB157C8B}" dt="2018-03-26T03:33:30.470" v="2038"/>
+        <pc:chgData name="김경만" userId="8cab216f9b18b032" providerId="LiveId" clId="{4ED50C9F-4B5B-4DF8-938B-6E3DEB157C8B}" dt="2018-03-26T03:33:30.470" v="2038" actId="20577"/>
         <pc:sldMkLst>
           <pc:docMk/>
           <pc:sldMk cId="255380393" sldId="267"/>
@@ -486,7 +486,7 @@
           </ac:spMkLst>
         </pc:spChg>
         <pc:spChg chg="mod">
-          <ac:chgData name="김경만" userId="8cab216f9b18b032" providerId="LiveId" clId="{4ED50C9F-4B5B-4DF8-938B-6E3DEB157C8B}" dt="2018-03-26T03:33:30.470" v="2038"/>
+          <ac:chgData name="김경만" userId="8cab216f9b18b032" providerId="LiveId" clId="{4ED50C9F-4B5B-4DF8-938B-6E3DEB157C8B}" dt="2018-03-26T03:33:30.470" v="2038" actId="20577"/>
           <ac:spMkLst>
             <pc:docMk/>
             <pc:sldMk cId="255380393" sldId="267"/>
@@ -495,13 +495,13 @@
         </pc:spChg>
       </pc:sldChg>
       <pc:sldChg chg="addSp delSp modSp">
-        <pc:chgData name="김경만" userId="8cab216f9b18b032" providerId="LiveId" clId="{4ED50C9F-4B5B-4DF8-938B-6E3DEB157C8B}" dt="2018-03-26T03:33:51.572" v="2069"/>
+        <pc:chgData name="김경만" userId="8cab216f9b18b032" providerId="LiveId" clId="{4ED50C9F-4B5B-4DF8-938B-6E3DEB157C8B}" dt="2018-03-26T03:33:51.572" v="2069" actId="20577"/>
         <pc:sldMkLst>
           <pc:docMk/>
           <pc:sldMk cId="653763141" sldId="268"/>
         </pc:sldMkLst>
         <pc:spChg chg="mod">
-          <ac:chgData name="김경만" userId="8cab216f9b18b032" providerId="LiveId" clId="{4ED50C9F-4B5B-4DF8-938B-6E3DEB157C8B}" dt="2018-03-26T03:33:51.572" v="2069"/>
+          <ac:chgData name="김경만" userId="8cab216f9b18b032" providerId="LiveId" clId="{4ED50C9F-4B5B-4DF8-938B-6E3DEB157C8B}" dt="2018-03-26T03:33:51.572" v="2069" actId="20577"/>
           <ac:spMkLst>
             <pc:docMk/>
             <pc:sldMk cId="653763141" sldId="268"/>
@@ -517,7 +517,7 @@
           </ac:spMkLst>
         </pc:spChg>
         <pc:spChg chg="add del mod">
-          <ac:chgData name="김경만" userId="8cab216f9b18b032" providerId="LiveId" clId="{4ED50C9F-4B5B-4DF8-938B-6E3DEB157C8B}" dt="2018-03-26T02:57:07.453" v="285"/>
+          <ac:chgData name="김경만" userId="8cab216f9b18b032" providerId="LiveId" clId="{4ED50C9F-4B5B-4DF8-938B-6E3DEB157C8B}" dt="2018-03-26T02:57:07.453" v="285" actId="20577"/>
           <ac:spMkLst>
             <pc:docMk/>
             <pc:sldMk cId="653763141" sldId="268"/>
@@ -541,7 +541,7 @@
           </ac:spMkLst>
         </pc:spChg>
         <pc:spChg chg="add del mod">
-          <ac:chgData name="김경만" userId="8cab216f9b18b032" providerId="LiveId" clId="{4ED50C9F-4B5B-4DF8-938B-6E3DEB157C8B}" dt="2018-03-26T02:57:22.735" v="288"/>
+          <ac:chgData name="김경만" userId="8cab216f9b18b032" providerId="LiveId" clId="{4ED50C9F-4B5B-4DF8-938B-6E3DEB157C8B}" dt="2018-03-26T02:57:22.735" v="288" actId="20577"/>
           <ac:spMkLst>
             <pc:docMk/>
             <pc:sldMk cId="653763141" sldId="268"/>
@@ -549,7 +549,7 @@
           </ac:spMkLst>
         </pc:spChg>
         <pc:spChg chg="add del mod">
-          <ac:chgData name="김경만" userId="8cab216f9b18b032" providerId="LiveId" clId="{4ED50C9F-4B5B-4DF8-938B-6E3DEB157C8B}" dt="2018-03-26T02:57:51.851" v="297"/>
+          <ac:chgData name="김경만" userId="8cab216f9b18b032" providerId="LiveId" clId="{4ED50C9F-4B5B-4DF8-938B-6E3DEB157C8B}" dt="2018-03-26T02:57:51.851" v="297" actId="20577"/>
           <ac:spMkLst>
             <pc:docMk/>
             <pc:sldMk cId="653763141" sldId="268"/>
@@ -565,7 +565,7 @@
           </ac:picMkLst>
         </pc:picChg>
         <pc:picChg chg="del">
-          <ac:chgData name="김경만" userId="8cab216f9b18b032" providerId="LiveId" clId="{4ED50C9F-4B5B-4DF8-938B-6E3DEB157C8B}" dt="2018-03-26T02:57:22.123" v="287"/>
+          <ac:chgData name="김경만" userId="8cab216f9b18b032" providerId="LiveId" clId="{4ED50C9F-4B5B-4DF8-938B-6E3DEB157C8B}" dt="2018-03-26T02:57:22.123" v="287" actId="20577"/>
           <ac:picMkLst>
             <pc:docMk/>
             <pc:sldMk cId="653763141" sldId="268"/>
@@ -581,7 +581,7 @@
           </ac:picMkLst>
         </pc:picChg>
         <pc:picChg chg="add del mod modCrop">
-          <ac:chgData name="김경만" userId="8cab216f9b18b032" providerId="LiveId" clId="{4ED50C9F-4B5B-4DF8-938B-6E3DEB157C8B}" dt="2018-03-26T02:57:51.101" v="296"/>
+          <ac:chgData name="김경만" userId="8cab216f9b18b032" providerId="LiveId" clId="{4ED50C9F-4B5B-4DF8-938B-6E3DEB157C8B}" dt="2018-03-26T02:57:51.101" v="296" actId="20577"/>
           <ac:picMkLst>
             <pc:docMk/>
             <pc:sldMk cId="653763141" sldId="268"/>
@@ -596,13 +596,6 @@
             <ac:picMk id="15" creationId="{95365806-ADEF-4627-AA73-8CB0A0A5410D}"/>
           </ac:picMkLst>
         </pc:picChg>
-      </pc:sldChg>
-      <pc:sldChg chg="del">
-        <pc:chgData name="김경만" userId="8cab216f9b18b032" providerId="LiveId" clId="{4ED50C9F-4B5B-4DF8-938B-6E3DEB157C8B}" dt="2018-03-26T03:00:56.739" v="475" actId="2696"/>
-        <pc:sldMkLst>
-          <pc:docMk/>
-          <pc:sldMk cId="2127332854" sldId="269"/>
-        </pc:sldMkLst>
       </pc:sldChg>
       <pc:sldChg chg="addSp delSp modSp">
         <pc:chgData name="김경만" userId="8cab216f9b18b032" providerId="LiveId" clId="{4ED50C9F-4B5B-4DF8-938B-6E3DEB157C8B}" dt="2018-03-26T03:52:42.536" v="3394" actId="20577"/>
@@ -643,7 +636,7 @@
           </ac:picMkLst>
         </pc:picChg>
         <pc:picChg chg="add del">
-          <ac:chgData name="김경만" userId="8cab216f9b18b032" providerId="LiveId" clId="{4ED50C9F-4B5B-4DF8-938B-6E3DEB157C8B}" dt="2018-03-26T03:45:24.862" v="2784"/>
+          <ac:chgData name="김경만" userId="8cab216f9b18b032" providerId="LiveId" clId="{4ED50C9F-4B5B-4DF8-938B-6E3DEB157C8B}" dt="2018-03-26T03:45:24.862" v="2784" actId="20577"/>
           <ac:picMkLst>
             <pc:docMk/>
             <pc:sldMk cId="4138104215" sldId="270"/>
@@ -651,7 +644,7 @@
           </ac:picMkLst>
         </pc:picChg>
         <pc:picChg chg="add del">
-          <ac:chgData name="김경만" userId="8cab216f9b18b032" providerId="LiveId" clId="{4ED50C9F-4B5B-4DF8-938B-6E3DEB157C8B}" dt="2018-03-26T03:45:25.933" v="2786"/>
+          <ac:chgData name="김경만" userId="8cab216f9b18b032" providerId="LiveId" clId="{4ED50C9F-4B5B-4DF8-938B-6E3DEB157C8B}" dt="2018-03-26T03:45:25.933" v="2786" actId="20577"/>
           <ac:picMkLst>
             <pc:docMk/>
             <pc:sldMk cId="4138104215" sldId="270"/>
@@ -660,13 +653,13 @@
         </pc:picChg>
       </pc:sldChg>
       <pc:sldChg chg="addSp delSp modSp add ord">
-        <pc:chgData name="김경만" userId="8cab216f9b18b032" providerId="LiveId" clId="{4ED50C9F-4B5B-4DF8-938B-6E3DEB157C8B}" dt="2018-03-26T03:34:01.169" v="2072"/>
+        <pc:chgData name="김경만" userId="8cab216f9b18b032" providerId="LiveId" clId="{4ED50C9F-4B5B-4DF8-938B-6E3DEB157C8B}" dt="2018-03-26T03:34:01.169" v="2072" actId="20577"/>
         <pc:sldMkLst>
           <pc:docMk/>
           <pc:sldMk cId="314281996" sldId="271"/>
         </pc:sldMkLst>
         <pc:spChg chg="mod">
-          <ac:chgData name="김경만" userId="8cab216f9b18b032" providerId="LiveId" clId="{4ED50C9F-4B5B-4DF8-938B-6E3DEB157C8B}" dt="2018-03-26T03:34:01.169" v="2072"/>
+          <ac:chgData name="김경만" userId="8cab216f9b18b032" providerId="LiveId" clId="{4ED50C9F-4B5B-4DF8-938B-6E3DEB157C8B}" dt="2018-03-26T03:34:01.169" v="2072" actId="20577"/>
           <ac:spMkLst>
             <pc:docMk/>
             <pc:sldMk cId="314281996" sldId="271"/>
@@ -674,7 +667,7 @@
           </ac:spMkLst>
         </pc:spChg>
         <pc:spChg chg="add del mod">
-          <ac:chgData name="김경만" userId="8cab216f9b18b032" providerId="LiveId" clId="{4ED50C9F-4B5B-4DF8-938B-6E3DEB157C8B}" dt="2018-03-26T02:49:03.363" v="7"/>
+          <ac:chgData name="김경만" userId="8cab216f9b18b032" providerId="LiveId" clId="{4ED50C9F-4B5B-4DF8-938B-6E3DEB157C8B}" dt="2018-03-26T02:49:03.363" v="7" actId="20577"/>
           <ac:spMkLst>
             <pc:docMk/>
             <pc:sldMk cId="314281996" sldId="271"/>
@@ -698,7 +691,7 @@
           </ac:spMkLst>
         </pc:spChg>
         <pc:spChg chg="add mod">
-          <ac:chgData name="김경만" userId="8cab216f9b18b032" providerId="LiveId" clId="{4ED50C9F-4B5B-4DF8-938B-6E3DEB157C8B}" dt="2018-03-26T02:56:46.859" v="261"/>
+          <ac:chgData name="김경만" userId="8cab216f9b18b032" providerId="LiveId" clId="{4ED50C9F-4B5B-4DF8-938B-6E3DEB157C8B}" dt="2018-03-26T02:56:46.859" v="261" actId="20577"/>
           <ac:spMkLst>
             <pc:docMk/>
             <pc:sldMk cId="314281996" sldId="271"/>
@@ -706,7 +699,7 @@
           </ac:spMkLst>
         </pc:spChg>
         <pc:spChg chg="add del mod">
-          <ac:chgData name="김경만" userId="8cab216f9b18b032" providerId="LiveId" clId="{4ED50C9F-4B5B-4DF8-938B-6E3DEB157C8B}" dt="2018-03-26T03:25:10.801" v="1149"/>
+          <ac:chgData name="김경만" userId="8cab216f9b18b032" providerId="LiveId" clId="{4ED50C9F-4B5B-4DF8-938B-6E3DEB157C8B}" dt="2018-03-26T03:25:10.801" v="1149" actId="20577"/>
           <ac:spMkLst>
             <pc:docMk/>
             <pc:sldMk cId="314281996" sldId="271"/>
@@ -714,7 +707,7 @@
           </ac:spMkLst>
         </pc:spChg>
         <pc:picChg chg="add del">
-          <ac:chgData name="김경만" userId="8cab216f9b18b032" providerId="LiveId" clId="{4ED50C9F-4B5B-4DF8-938B-6E3DEB157C8B}" dt="2018-03-26T02:48:58.073" v="3"/>
+          <ac:chgData name="김경만" userId="8cab216f9b18b032" providerId="LiveId" clId="{4ED50C9F-4B5B-4DF8-938B-6E3DEB157C8B}" dt="2018-03-26T02:48:58.073" v="3" actId="20577"/>
           <ac:picMkLst>
             <pc:docMk/>
             <pc:sldMk cId="314281996" sldId="271"/>
@@ -746,7 +739,7 @@
           </ac:picMkLst>
         </pc:picChg>
         <pc:picChg chg="add del">
-          <ac:chgData name="김경만" userId="8cab216f9b18b032" providerId="LiveId" clId="{4ED50C9F-4B5B-4DF8-938B-6E3DEB157C8B}" dt="2018-03-26T03:25:10.032" v="1148"/>
+          <ac:chgData name="김경만" userId="8cab216f9b18b032" providerId="LiveId" clId="{4ED50C9F-4B5B-4DF8-938B-6E3DEB157C8B}" dt="2018-03-26T03:25:10.032" v="1148" actId="20577"/>
           <ac:picMkLst>
             <pc:docMk/>
             <pc:sldMk cId="314281996" sldId="271"/>
@@ -754,7 +747,7 @@
           </ac:picMkLst>
         </pc:picChg>
         <pc:picChg chg="add mod">
-          <ac:chgData name="김경만" userId="8cab216f9b18b032" providerId="LiveId" clId="{4ED50C9F-4B5B-4DF8-938B-6E3DEB157C8B}" dt="2018-03-26T03:25:10.801" v="1149"/>
+          <ac:chgData name="김경만" userId="8cab216f9b18b032" providerId="LiveId" clId="{4ED50C9F-4B5B-4DF8-938B-6E3DEB157C8B}" dt="2018-03-26T03:25:10.801" v="1149" actId="20577"/>
           <ac:picMkLst>
             <pc:docMk/>
             <pc:sldMk cId="314281996" sldId="271"/>
@@ -763,7 +756,7 @@
         </pc:picChg>
       </pc:sldChg>
       <pc:sldChg chg="addSp delSp modSp add ord">
-        <pc:chgData name="김경만" userId="8cab216f9b18b032" providerId="LiveId" clId="{4ED50C9F-4B5B-4DF8-938B-6E3DEB157C8B}" dt="2018-03-26T03:39:57.484" v="2426"/>
+        <pc:chgData name="김경만" userId="8cab216f9b18b032" providerId="LiveId" clId="{4ED50C9F-4B5B-4DF8-938B-6E3DEB157C8B}" dt="2018-03-26T03:39:57.484" v="2426" actId="20577"/>
         <pc:sldMkLst>
           <pc:docMk/>
           <pc:sldMk cId="3273043781" sldId="272"/>
@@ -777,7 +770,7 @@
           </ac:spMkLst>
         </pc:spChg>
         <pc:spChg chg="add del mod">
-          <ac:chgData name="김경만" userId="8cab216f9b18b032" providerId="LiveId" clId="{4ED50C9F-4B5B-4DF8-938B-6E3DEB157C8B}" dt="2018-03-26T02:50:16.001" v="11"/>
+          <ac:chgData name="김경만" userId="8cab216f9b18b032" providerId="LiveId" clId="{4ED50C9F-4B5B-4DF8-938B-6E3DEB157C8B}" dt="2018-03-26T02:50:16.001" v="11" actId="20577"/>
           <ac:spMkLst>
             <pc:docMk/>
             <pc:sldMk cId="3273043781" sldId="272"/>
@@ -809,7 +802,7 @@
           </ac:spMkLst>
         </pc:spChg>
         <pc:spChg chg="add del mod">
-          <ac:chgData name="김경만" userId="8cab216f9b18b032" providerId="LiveId" clId="{4ED50C9F-4B5B-4DF8-938B-6E3DEB157C8B}" dt="2018-03-26T02:51:44.705" v="19"/>
+          <ac:chgData name="김경만" userId="8cab216f9b18b032" providerId="LiveId" clId="{4ED50C9F-4B5B-4DF8-938B-6E3DEB157C8B}" dt="2018-03-26T02:51:44.705" v="19" actId="20577"/>
           <ac:spMkLst>
             <pc:docMk/>
             <pc:sldMk cId="3273043781" sldId="272"/>
@@ -833,7 +826,7 @@
           </ac:spMkLst>
         </pc:spChg>
         <pc:spChg chg="add del mod">
-          <ac:chgData name="김경만" userId="8cab216f9b18b032" providerId="LiveId" clId="{4ED50C9F-4B5B-4DF8-938B-6E3DEB157C8B}" dt="2018-03-26T03:32:41.270" v="2028"/>
+          <ac:chgData name="김경만" userId="8cab216f9b18b032" providerId="LiveId" clId="{4ED50C9F-4B5B-4DF8-938B-6E3DEB157C8B}" dt="2018-03-26T03:32:41.270" v="2028" actId="20577"/>
           <ac:spMkLst>
             <pc:docMk/>
             <pc:sldMk cId="3273043781" sldId="272"/>
@@ -841,7 +834,7 @@
           </ac:spMkLst>
         </pc:spChg>
         <pc:spChg chg="add del mod">
-          <ac:chgData name="김경만" userId="8cab216f9b18b032" providerId="LiveId" clId="{4ED50C9F-4B5B-4DF8-938B-6E3DEB157C8B}" dt="2018-03-26T03:32:48.167" v="2034"/>
+          <ac:chgData name="김경만" userId="8cab216f9b18b032" providerId="LiveId" clId="{4ED50C9F-4B5B-4DF8-938B-6E3DEB157C8B}" dt="2018-03-26T03:32:48.167" v="2034" actId="20577"/>
           <ac:spMkLst>
             <pc:docMk/>
             <pc:sldMk cId="3273043781" sldId="272"/>
@@ -849,7 +842,7 @@
           </ac:spMkLst>
         </pc:spChg>
         <pc:spChg chg="add del">
-          <ac:chgData name="김경만" userId="8cab216f9b18b032" providerId="LiveId" clId="{4ED50C9F-4B5B-4DF8-938B-6E3DEB157C8B}" dt="2018-03-26T03:39:57.484" v="2426"/>
+          <ac:chgData name="김경만" userId="8cab216f9b18b032" providerId="LiveId" clId="{4ED50C9F-4B5B-4DF8-938B-6E3DEB157C8B}" dt="2018-03-26T03:39:57.484" v="2426" actId="20577"/>
           <ac:spMkLst>
             <pc:docMk/>
             <pc:sldMk cId="3273043781" sldId="272"/>
@@ -881,7 +874,7 @@
           </ac:picMkLst>
         </pc:picChg>
         <pc:picChg chg="add del mod">
-          <ac:chgData name="김경만" userId="8cab216f9b18b032" providerId="LiveId" clId="{4ED50C9F-4B5B-4DF8-938B-6E3DEB157C8B}" dt="2018-03-26T03:32:37.238" v="2027"/>
+          <ac:chgData name="김경만" userId="8cab216f9b18b032" providerId="LiveId" clId="{4ED50C9F-4B5B-4DF8-938B-6E3DEB157C8B}" dt="2018-03-26T03:32:37.238" v="2027" actId="20577"/>
           <ac:picMkLst>
             <pc:docMk/>
             <pc:sldMk cId="3273043781" sldId="272"/>
@@ -889,7 +882,7 @@
           </ac:picMkLst>
         </pc:picChg>
         <pc:picChg chg="add del">
-          <ac:chgData name="김경만" userId="8cab216f9b18b032" providerId="LiveId" clId="{4ED50C9F-4B5B-4DF8-938B-6E3DEB157C8B}" dt="2018-03-26T03:32:46.535" v="2032"/>
+          <ac:chgData name="김경만" userId="8cab216f9b18b032" providerId="LiveId" clId="{4ED50C9F-4B5B-4DF8-938B-6E3DEB157C8B}" dt="2018-03-26T03:32:46.535" v="2032" actId="20577"/>
           <ac:picMkLst>
             <pc:docMk/>
             <pc:sldMk cId="3273043781" sldId="272"/>
@@ -897,7 +890,7 @@
           </ac:picMkLst>
         </pc:picChg>
         <pc:picChg chg="add">
-          <ac:chgData name="김경만" userId="8cab216f9b18b032" providerId="LiveId" clId="{4ED50C9F-4B5B-4DF8-938B-6E3DEB157C8B}" dt="2018-03-26T03:32:48.167" v="2034"/>
+          <ac:chgData name="김경만" userId="8cab216f9b18b032" providerId="LiveId" clId="{4ED50C9F-4B5B-4DF8-938B-6E3DEB157C8B}" dt="2018-03-26T03:32:48.167" v="2034" actId="20577"/>
           <ac:picMkLst>
             <pc:docMk/>
             <pc:sldMk cId="3273043781" sldId="272"/>
@@ -906,13 +899,13 @@
         </pc:picChg>
       </pc:sldChg>
       <pc:sldChg chg="modSp add">
-        <pc:chgData name="김경만" userId="8cab216f9b18b032" providerId="LiveId" clId="{4ED50C9F-4B5B-4DF8-938B-6E3DEB157C8B}" dt="2018-03-26T03:33:56.538" v="2070"/>
+        <pc:chgData name="김경만" userId="8cab216f9b18b032" providerId="LiveId" clId="{4ED50C9F-4B5B-4DF8-938B-6E3DEB157C8B}" dt="2018-03-26T03:33:56.538" v="2070" actId="20577"/>
         <pc:sldMkLst>
           <pc:docMk/>
           <pc:sldMk cId="253977703" sldId="273"/>
         </pc:sldMkLst>
         <pc:spChg chg="mod">
-          <ac:chgData name="김경만" userId="8cab216f9b18b032" providerId="LiveId" clId="{4ED50C9F-4B5B-4DF8-938B-6E3DEB157C8B}" dt="2018-03-26T03:33:56.538" v="2070"/>
+          <ac:chgData name="김경만" userId="8cab216f9b18b032" providerId="LiveId" clId="{4ED50C9F-4B5B-4DF8-938B-6E3DEB157C8B}" dt="2018-03-26T03:33:56.538" v="2070" actId="20577"/>
           <ac:spMkLst>
             <pc:docMk/>
             <pc:sldMk cId="253977703" sldId="273"/>
@@ -920,53 +913,14 @@
           </ac:spMkLst>
         </pc:spChg>
       </pc:sldChg>
-      <pc:sldChg chg="addSp delSp modSp add del">
-        <pc:chgData name="김경만" userId="8cab216f9b18b032" providerId="LiveId" clId="{4ED50C9F-4B5B-4DF8-938B-6E3DEB157C8B}" dt="2018-03-26T03:53:20.676" v="3438" actId="2696"/>
-        <pc:sldMkLst>
-          <pc:docMk/>
-          <pc:sldMk cId="1637576308" sldId="274"/>
-        </pc:sldMkLst>
-        <pc:spChg chg="mod">
-          <ac:chgData name="김경만" userId="8cab216f9b18b032" providerId="LiveId" clId="{4ED50C9F-4B5B-4DF8-938B-6E3DEB157C8B}" dt="2018-03-26T03:33:59.327" v="2071"/>
-          <ac:spMkLst>
-            <pc:docMk/>
-            <pc:sldMk cId="1637576308" sldId="274"/>
-            <ac:spMk id="2" creationId="{7CF7C95B-DA88-4301-A2B1-B791D304359A}"/>
-          </ac:spMkLst>
-        </pc:spChg>
-        <pc:spChg chg="add mod">
-          <ac:chgData name="김경만" userId="8cab216f9b18b032" providerId="LiveId" clId="{4ED50C9F-4B5B-4DF8-938B-6E3DEB157C8B}" dt="2018-03-26T03:27:57.582" v="1300" actId="20577"/>
-          <ac:spMkLst>
-            <pc:docMk/>
-            <pc:sldMk cId="1637576308" sldId="274"/>
-            <ac:spMk id="4" creationId="{79F30202-A76E-42E7-BD45-E610E3D3DE64}"/>
-          </ac:spMkLst>
-        </pc:spChg>
-        <pc:spChg chg="del">
-          <ac:chgData name="김경만" userId="8cab216f9b18b032" providerId="LiveId" clId="{4ED50C9F-4B5B-4DF8-938B-6E3DEB157C8B}" dt="2018-03-26T02:59:01.739" v="382" actId="478"/>
-          <ac:spMkLst>
-            <pc:docMk/>
-            <pc:sldMk cId="1637576308" sldId="274"/>
-            <ac:spMk id="11" creationId="{3E1D2525-0160-4402-8B0A-1D0154B6DBED}"/>
-          </ac:spMkLst>
-        </pc:spChg>
-        <pc:picChg chg="del">
-          <ac:chgData name="김경만" userId="8cab216f9b18b032" providerId="LiveId" clId="{4ED50C9F-4B5B-4DF8-938B-6E3DEB157C8B}" dt="2018-03-26T02:58:41.859" v="319" actId="478"/>
-          <ac:picMkLst>
-            <pc:docMk/>
-            <pc:sldMk cId="1637576308" sldId="274"/>
-            <ac:picMk id="10" creationId="{604A119F-5629-4718-927F-4B6C066E6270}"/>
-          </ac:picMkLst>
-        </pc:picChg>
-      </pc:sldChg>
       <pc:sldChg chg="addSp delSp modSp add">
-        <pc:chgData name="김경만" userId="8cab216f9b18b032" providerId="LiveId" clId="{4ED50C9F-4B5B-4DF8-938B-6E3DEB157C8B}" dt="2018-03-26T03:34:03.492" v="2073"/>
+        <pc:chgData name="김경만" userId="8cab216f9b18b032" providerId="LiveId" clId="{4ED50C9F-4B5B-4DF8-938B-6E3DEB157C8B}" dt="2018-03-26T03:34:03.492" v="2073" actId="20577"/>
         <pc:sldMkLst>
           <pc:docMk/>
           <pc:sldMk cId="2586252200" sldId="275"/>
         </pc:sldMkLst>
         <pc:spChg chg="mod">
-          <ac:chgData name="김경만" userId="8cab216f9b18b032" providerId="LiveId" clId="{4ED50C9F-4B5B-4DF8-938B-6E3DEB157C8B}" dt="2018-03-26T03:34:03.492" v="2073"/>
+          <ac:chgData name="김경만" userId="8cab216f9b18b032" providerId="LiveId" clId="{4ED50C9F-4B5B-4DF8-938B-6E3DEB157C8B}" dt="2018-03-26T03:34:03.492" v="2073" actId="20577"/>
           <ac:spMkLst>
             <pc:docMk/>
             <pc:sldMk cId="2586252200" sldId="275"/>
@@ -998,7 +952,7 @@
           </ac:spMkLst>
         </pc:spChg>
         <pc:spChg chg="add del mod">
-          <ac:chgData name="김경만" userId="8cab216f9b18b032" providerId="LiveId" clId="{4ED50C9F-4B5B-4DF8-938B-6E3DEB157C8B}" dt="2018-03-26T03:25:14.030" v="1151"/>
+          <ac:chgData name="김경만" userId="8cab216f9b18b032" providerId="LiveId" clId="{4ED50C9F-4B5B-4DF8-938B-6E3DEB157C8B}" dt="2018-03-26T03:25:14.030" v="1151" actId="20577"/>
           <ac:spMkLst>
             <pc:docMk/>
             <pc:sldMk cId="2586252200" sldId="275"/>
@@ -1022,21 +976,14 @@
           </ac:picMkLst>
         </pc:picChg>
       </pc:sldChg>
-      <pc:sldChg chg="add del ord">
-        <pc:chgData name="김경만" userId="8cab216f9b18b032" providerId="LiveId" clId="{4ED50C9F-4B5B-4DF8-938B-6E3DEB157C8B}" dt="2018-03-26T03:16:08.363" v="901" actId="2696"/>
-        <pc:sldMkLst>
-          <pc:docMk/>
-          <pc:sldMk cId="3428439259" sldId="276"/>
-        </pc:sldMkLst>
-      </pc:sldChg>
       <pc:sldChg chg="addSp delSp modSp add">
-        <pc:chgData name="김경만" userId="8cab216f9b18b032" providerId="LiveId" clId="{4ED50C9F-4B5B-4DF8-938B-6E3DEB157C8B}" dt="2018-03-26T03:34:05.368" v="2074"/>
+        <pc:chgData name="김경만" userId="8cab216f9b18b032" providerId="LiveId" clId="{4ED50C9F-4B5B-4DF8-938B-6E3DEB157C8B}" dt="2018-03-26T03:34:05.368" v="2074" actId="20577"/>
         <pc:sldMkLst>
           <pc:docMk/>
           <pc:sldMk cId="4259032106" sldId="276"/>
         </pc:sldMkLst>
         <pc:spChg chg="mod">
-          <ac:chgData name="김경만" userId="8cab216f9b18b032" providerId="LiveId" clId="{4ED50C9F-4B5B-4DF8-938B-6E3DEB157C8B}" dt="2018-03-26T03:34:05.368" v="2074"/>
+          <ac:chgData name="김경만" userId="8cab216f9b18b032" providerId="LiveId" clId="{4ED50C9F-4B5B-4DF8-938B-6E3DEB157C8B}" dt="2018-03-26T03:34:05.368" v="2074" actId="20577"/>
           <ac:spMkLst>
             <pc:docMk/>
             <pc:sldMk cId="4259032106" sldId="276"/>
@@ -1060,7 +1007,7 @@
           </ac:spMkLst>
         </pc:spChg>
         <pc:spChg chg="add del mod">
-          <ac:chgData name="김경만" userId="8cab216f9b18b032" providerId="LiveId" clId="{4ED50C9F-4B5B-4DF8-938B-6E3DEB157C8B}" dt="2018-03-26T03:25:20.054" v="1154"/>
+          <ac:chgData name="김경만" userId="8cab216f9b18b032" providerId="LiveId" clId="{4ED50C9F-4B5B-4DF8-938B-6E3DEB157C8B}" dt="2018-03-26T03:25:20.054" v="1154" actId="20577"/>
           <ac:spMkLst>
             <pc:docMk/>
             <pc:sldMk cId="4259032106" sldId="276"/>
@@ -1084,21 +1031,14 @@
           </ac:picMkLst>
         </pc:picChg>
       </pc:sldChg>
-      <pc:sldChg chg="add del ord">
-        <pc:chgData name="김경만" userId="8cab216f9b18b032" providerId="LiveId" clId="{4ED50C9F-4B5B-4DF8-938B-6E3DEB157C8B}" dt="2018-03-26T03:18:31.658" v="975" actId="2696"/>
-        <pc:sldMkLst>
-          <pc:docMk/>
-          <pc:sldMk cId="215637247" sldId="277"/>
-        </pc:sldMkLst>
-      </pc:sldChg>
       <pc:sldChg chg="addSp delSp modSp add">
-        <pc:chgData name="김경만" userId="8cab216f9b18b032" providerId="LiveId" clId="{4ED50C9F-4B5B-4DF8-938B-6E3DEB157C8B}" dt="2018-03-26T03:34:07.481" v="2075"/>
+        <pc:chgData name="김경만" userId="8cab216f9b18b032" providerId="LiveId" clId="{4ED50C9F-4B5B-4DF8-938B-6E3DEB157C8B}" dt="2018-03-26T03:34:07.481" v="2075" actId="20577"/>
         <pc:sldMkLst>
           <pc:docMk/>
           <pc:sldMk cId="2431327793" sldId="277"/>
         </pc:sldMkLst>
         <pc:spChg chg="mod">
-          <ac:chgData name="김경만" userId="8cab216f9b18b032" providerId="LiveId" clId="{4ED50C9F-4B5B-4DF8-938B-6E3DEB157C8B}" dt="2018-03-26T03:34:07.481" v="2075"/>
+          <ac:chgData name="김경만" userId="8cab216f9b18b032" providerId="LiveId" clId="{4ED50C9F-4B5B-4DF8-938B-6E3DEB157C8B}" dt="2018-03-26T03:34:07.481" v="2075" actId="20577"/>
           <ac:spMkLst>
             <pc:docMk/>
             <pc:sldMk cId="2431327793" sldId="277"/>
@@ -1122,7 +1062,7 @@
           </ac:spMkLst>
         </pc:spChg>
         <pc:spChg chg="add del mod">
-          <ac:chgData name="김경만" userId="8cab216f9b18b032" providerId="LiveId" clId="{4ED50C9F-4B5B-4DF8-938B-6E3DEB157C8B}" dt="2018-03-26T03:25:24.181" v="1157"/>
+          <ac:chgData name="김경만" userId="8cab216f9b18b032" providerId="LiveId" clId="{4ED50C9F-4B5B-4DF8-938B-6E3DEB157C8B}" dt="2018-03-26T03:25:24.181" v="1157" actId="20577"/>
           <ac:spMkLst>
             <pc:docMk/>
             <pc:sldMk cId="2431327793" sldId="277"/>
@@ -1161,7 +1101,7 @@
           <pc:sldMk cId="1590840201" sldId="278"/>
         </pc:sldMkLst>
         <pc:spChg chg="mod">
-          <ac:chgData name="김경만" userId="8cab216f9b18b032" providerId="LiveId" clId="{4ED50C9F-4B5B-4DF8-938B-6E3DEB157C8B}" dt="2018-03-26T03:34:10.039" v="2076"/>
+          <ac:chgData name="김경만" userId="8cab216f9b18b032" providerId="LiveId" clId="{4ED50C9F-4B5B-4DF8-938B-6E3DEB157C8B}" dt="2018-03-26T03:34:10.039" v="2076" actId="14100"/>
           <ac:spMkLst>
             <pc:docMk/>
             <pc:sldMk cId="1590840201" sldId="278"/>
@@ -1208,7 +1148,7 @@
           </ac:spMkLst>
         </pc:spChg>
         <pc:spChg chg="add del mod">
-          <ac:chgData name="김경만" userId="8cab216f9b18b032" providerId="LiveId" clId="{4ED50C9F-4B5B-4DF8-938B-6E3DEB157C8B}" dt="2018-03-26T03:30:37.468" v="1757"/>
+          <ac:chgData name="김경만" userId="8cab216f9b18b032" providerId="LiveId" clId="{4ED50C9F-4B5B-4DF8-938B-6E3DEB157C8B}" dt="2018-03-26T03:30:37.468" v="1757" actId="20577"/>
           <ac:spMkLst>
             <pc:docMk/>
             <pc:sldMk cId="3141310265" sldId="279"/>
@@ -1248,7 +1188,7 @@
           </ac:spMkLst>
         </pc:spChg>
         <pc:picChg chg="del">
-          <ac:chgData name="김경만" userId="8cab216f9b18b032" providerId="LiveId" clId="{4ED50C9F-4B5B-4DF8-938B-6E3DEB157C8B}" dt="2018-03-26T03:30:35.062" v="1755"/>
+          <ac:chgData name="김경만" userId="8cab216f9b18b032" providerId="LiveId" clId="{4ED50C9F-4B5B-4DF8-938B-6E3DEB157C8B}" dt="2018-03-26T03:30:35.062" v="1755" actId="20577"/>
           <ac:picMkLst>
             <pc:docMk/>
             <pc:sldMk cId="3141310265" sldId="279"/>
@@ -1256,7 +1196,7 @@
           </ac:picMkLst>
         </pc:picChg>
         <pc:picChg chg="add">
-          <ac:chgData name="김경만" userId="8cab216f9b18b032" providerId="LiveId" clId="{4ED50C9F-4B5B-4DF8-938B-6E3DEB157C8B}" dt="2018-03-26T03:30:37.468" v="1757"/>
+          <ac:chgData name="김경만" userId="8cab216f9b18b032" providerId="LiveId" clId="{4ED50C9F-4B5B-4DF8-938B-6E3DEB157C8B}" dt="2018-03-26T03:30:37.468" v="1757" actId="20577"/>
           <ac:picMkLst>
             <pc:docMk/>
             <pc:sldMk cId="3141310265" sldId="279"/>
@@ -1344,7 +1284,7 @@
         </pc:cxnChg>
       </pc:sldChg>
       <pc:sldChg chg="addSp delSp modSp add">
-        <pc:chgData name="김경만" userId="8cab216f9b18b032" providerId="LiveId" clId="{4ED50C9F-4B5B-4DF8-938B-6E3DEB157C8B}" dt="2018-03-26T03:40:59.593" v="2484"/>
+        <pc:chgData name="김경만" userId="8cab216f9b18b032" providerId="LiveId" clId="{4ED50C9F-4B5B-4DF8-938B-6E3DEB157C8B}" dt="2018-03-26T03:40:59.593" v="2484" actId="20577"/>
         <pc:sldMkLst>
           <pc:docMk/>
           <pc:sldMk cId="2679379735" sldId="281"/>
@@ -1382,7 +1322,7 @@
           </ac:spMkLst>
         </pc:spChg>
         <pc:spChg chg="add del">
-          <ac:chgData name="김경만" userId="8cab216f9b18b032" providerId="LiveId" clId="{4ED50C9F-4B5B-4DF8-938B-6E3DEB157C8B}" dt="2018-03-26T03:40:59.593" v="2484"/>
+          <ac:chgData name="김경만" userId="8cab216f9b18b032" providerId="LiveId" clId="{4ED50C9F-4B5B-4DF8-938B-6E3DEB157C8B}" dt="2018-03-26T03:40:59.593" v="2484" actId="20577"/>
           <ac:spMkLst>
             <pc:docMk/>
             <pc:sldMk cId="2679379735" sldId="281"/>
@@ -1390,7 +1330,7 @@
           </ac:spMkLst>
         </pc:spChg>
         <pc:spChg chg="add del">
-          <ac:chgData name="김경만" userId="8cab216f9b18b032" providerId="LiveId" clId="{4ED50C9F-4B5B-4DF8-938B-6E3DEB157C8B}" dt="2018-03-26T03:40:59.593" v="2484"/>
+          <ac:chgData name="김경만" userId="8cab216f9b18b032" providerId="LiveId" clId="{4ED50C9F-4B5B-4DF8-938B-6E3DEB157C8B}" dt="2018-03-26T03:40:59.593" v="2484" actId="20577"/>
           <ac:spMkLst>
             <pc:docMk/>
             <pc:sldMk cId="2679379735" sldId="281"/>
@@ -1445,36 +1385,6 @@
           </ac:spMkLst>
         </pc:spChg>
       </pc:sldChg>
-      <pc:sldChg chg="add del">
-        <pc:chgData name="김경만" userId="8cab216f9b18b032" providerId="LiveId" clId="{4ED50C9F-4B5B-4DF8-938B-6E3DEB157C8B}" dt="2018-03-26T03:40:02.002" v="2429" actId="2696"/>
-        <pc:sldMkLst>
-          <pc:docMk/>
-          <pc:sldMk cId="3056854393" sldId="282"/>
-        </pc:sldMkLst>
-      </pc:sldChg>
-      <pc:sldChg chg="delSp modSp add del">
-        <pc:chgData name="김경만" userId="8cab216f9b18b032" providerId="LiveId" clId="{4ED50C9F-4B5B-4DF8-938B-6E3DEB157C8B}" dt="2018-03-26T03:42:46.883" v="2559" actId="2696"/>
-        <pc:sldMkLst>
-          <pc:docMk/>
-          <pc:sldMk cId="2985291177" sldId="283"/>
-        </pc:sldMkLst>
-        <pc:spChg chg="mod">
-          <ac:chgData name="김경만" userId="8cab216f9b18b032" providerId="LiveId" clId="{4ED50C9F-4B5B-4DF8-938B-6E3DEB157C8B}" dt="2018-03-26T03:42:26.411" v="2549"/>
-          <ac:spMkLst>
-            <pc:docMk/>
-            <pc:sldMk cId="2985291177" sldId="283"/>
-            <ac:spMk id="2" creationId="{02BD0D8A-9D68-4B72-B091-43D80B1453E7}"/>
-          </ac:spMkLst>
-        </pc:spChg>
-        <pc:grpChg chg="del">
-          <ac:chgData name="김경만" userId="8cab216f9b18b032" providerId="LiveId" clId="{4ED50C9F-4B5B-4DF8-938B-6E3DEB157C8B}" dt="2018-03-26T03:42:32.018" v="2550" actId="478"/>
-          <ac:grpSpMkLst>
-            <pc:docMk/>
-            <pc:sldMk cId="2985291177" sldId="283"/>
-            <ac:grpSpMk id="8" creationId="{DB53BCB2-023F-429A-AF2E-096F7EC50CA3}"/>
-          </ac:grpSpMkLst>
-        </pc:grpChg>
-      </pc:sldChg>
       <pc:sldChg chg="delSp modSp add">
         <pc:chgData name="김경만" userId="8cab216f9b18b032" providerId="LiveId" clId="{4ED50C9F-4B5B-4DF8-938B-6E3DEB157C8B}" dt="2018-03-26T03:54:47.139" v="3602" actId="20577"/>
         <pc:sldMkLst>
@@ -1482,7 +1392,7 @@
           <pc:sldMk cId="3011862248" sldId="284"/>
         </pc:sldMkLst>
         <pc:spChg chg="mod">
-          <ac:chgData name="김경만" userId="8cab216f9b18b032" providerId="LiveId" clId="{4ED50C9F-4B5B-4DF8-938B-6E3DEB157C8B}" dt="2018-03-26T03:42:50.911" v="2566"/>
+          <ac:chgData name="김경만" userId="8cab216f9b18b032" providerId="LiveId" clId="{4ED50C9F-4B5B-4DF8-938B-6E3DEB157C8B}" dt="2018-03-26T03:42:50.911" v="2566" actId="20577"/>
           <ac:spMkLst>
             <pc:docMk/>
             <pc:sldMk cId="3011862248" sldId="284"/>
@@ -1505,13 +1415,6 @@
             <ac:grpSpMk id="8" creationId="{DB53BCB2-023F-429A-AF2E-096F7EC50CA3}"/>
           </ac:grpSpMkLst>
         </pc:grpChg>
-      </pc:sldChg>
-      <pc:sldChg chg="add del">
-        <pc:chgData name="김경만" userId="8cab216f9b18b032" providerId="LiveId" clId="{4ED50C9F-4B5B-4DF8-938B-6E3DEB157C8B}" dt="2018-03-26T03:44:50.676" v="2769"/>
-        <pc:sldMkLst>
-          <pc:docMk/>
-          <pc:sldMk cId="1335827062" sldId="285"/>
-        </pc:sldMkLst>
       </pc:sldChg>
       <pc:sldChg chg="addSp delSp modSp add ord">
         <pc:chgData name="김경만" userId="8cab216f9b18b032" providerId="LiveId" clId="{4ED50C9F-4B5B-4DF8-938B-6E3DEB157C8B}" dt="2018-03-26T03:51:52.706" v="3212" actId="20577"/>
@@ -1520,7 +1423,7 @@
           <pc:sldMk cId="3134000385" sldId="285"/>
         </pc:sldMkLst>
         <pc:spChg chg="mod">
-          <ac:chgData name="김경만" userId="8cab216f9b18b032" providerId="LiveId" clId="{4ED50C9F-4B5B-4DF8-938B-6E3DEB157C8B}" dt="2018-03-26T03:44:59.204" v="2778"/>
+          <ac:chgData name="김경만" userId="8cab216f9b18b032" providerId="LiveId" clId="{4ED50C9F-4B5B-4DF8-938B-6E3DEB157C8B}" dt="2018-03-26T03:44:59.204" v="2778" actId="20577"/>
           <ac:spMkLst>
             <pc:docMk/>
             <pc:sldMk cId="3134000385" sldId="285"/>
@@ -1568,28 +1471,21 @@
           </ac:picMkLst>
         </pc:picChg>
       </pc:sldChg>
-      <pc:sldChg chg="add del">
-        <pc:chgData name="김경만" userId="8cab216f9b18b032" providerId="LiveId" clId="{4ED50C9F-4B5B-4DF8-938B-6E3DEB157C8B}" dt="2018-03-26T03:45:19.170" v="2782"/>
-        <pc:sldMkLst>
-          <pc:docMk/>
-          <pc:sldMk cId="2136878453" sldId="286"/>
-        </pc:sldMkLst>
-      </pc:sldChg>
       <pc:sldMasterChg chg="modSldLayout">
-        <pc:chgData name="김경만" userId="8cab216f9b18b032" providerId="LiveId" clId="{4ED50C9F-4B5B-4DF8-938B-6E3DEB157C8B}" dt="2018-03-26T03:44:40.691" v="2765"/>
+        <pc:chgData name="김경만" userId="8cab216f9b18b032" providerId="LiveId" clId="{4ED50C9F-4B5B-4DF8-938B-6E3DEB157C8B}" dt="2018-03-26T03:44:40.691" v="2765" actId="20577"/>
         <pc:sldMasterMkLst>
           <pc:docMk/>
           <pc:sldMasterMk cId="3767968628" sldId="2147483660"/>
         </pc:sldMasterMkLst>
         <pc:sldLayoutChg chg="modSp">
-          <pc:chgData name="김경만" userId="8cab216f9b18b032" providerId="LiveId" clId="{4ED50C9F-4B5B-4DF8-938B-6E3DEB157C8B}" dt="2018-03-26T03:44:40.691" v="2765"/>
+          <pc:chgData name="김경만" userId="8cab216f9b18b032" providerId="LiveId" clId="{4ED50C9F-4B5B-4DF8-938B-6E3DEB157C8B}" dt="2018-03-26T03:44:40.691" v="2765" actId="20577"/>
           <pc:sldLayoutMkLst>
             <pc:docMk/>
             <pc:sldMasterMk cId="3767968628" sldId="2147483660"/>
             <pc:sldLayoutMk cId="761571725" sldId="2147483661"/>
           </pc:sldLayoutMkLst>
           <pc:spChg chg="mod">
-            <ac:chgData name="김경만" userId="8cab216f9b18b032" providerId="LiveId" clId="{4ED50C9F-4B5B-4DF8-938B-6E3DEB157C8B}" dt="2018-03-26T03:44:40.691" v="2765"/>
+            <ac:chgData name="김경만" userId="8cab216f9b18b032" providerId="LiveId" clId="{4ED50C9F-4B5B-4DF8-938B-6E3DEB157C8B}" dt="2018-03-26T03:44:40.691" v="2765" actId="20577"/>
             <ac:spMkLst>
               <pc:docMk/>
               <pc:sldMasterMk cId="3767968628" sldId="2147483660"/>
@@ -1599,14 +1495,14 @@
           </pc:spChg>
         </pc:sldLayoutChg>
         <pc:sldLayoutChg chg="modSp">
-          <pc:chgData name="김경만" userId="8cab216f9b18b032" providerId="LiveId" clId="{4ED50C9F-4B5B-4DF8-938B-6E3DEB157C8B}" dt="2018-03-26T03:44:40.691" v="2765"/>
+          <pc:chgData name="김경만" userId="8cab216f9b18b032" providerId="LiveId" clId="{4ED50C9F-4B5B-4DF8-938B-6E3DEB157C8B}" dt="2018-03-26T03:44:40.691" v="2765" actId="20577"/>
           <pc:sldLayoutMkLst>
             <pc:docMk/>
             <pc:sldMasterMk cId="3767968628" sldId="2147483660"/>
             <pc:sldLayoutMk cId="144739744" sldId="2147483662"/>
           </pc:sldLayoutMkLst>
           <pc:spChg chg="mod">
-            <ac:chgData name="김경만" userId="8cab216f9b18b032" providerId="LiveId" clId="{4ED50C9F-4B5B-4DF8-938B-6E3DEB157C8B}" dt="2018-03-26T03:44:40.691" v="2765"/>
+            <ac:chgData name="김경만" userId="8cab216f9b18b032" providerId="LiveId" clId="{4ED50C9F-4B5B-4DF8-938B-6E3DEB157C8B}" dt="2018-03-26T03:44:40.691" v="2765" actId="20577"/>
             <ac:spMkLst>
               <pc:docMk/>
               <pc:sldMasterMk cId="3767968628" sldId="2147483660"/>
@@ -1616,14 +1512,14 @@
           </pc:spChg>
         </pc:sldLayoutChg>
         <pc:sldLayoutChg chg="modSp">
-          <pc:chgData name="김경만" userId="8cab216f9b18b032" providerId="LiveId" clId="{4ED50C9F-4B5B-4DF8-938B-6E3DEB157C8B}" dt="2018-03-26T03:44:40.691" v="2765"/>
+          <pc:chgData name="김경만" userId="8cab216f9b18b032" providerId="LiveId" clId="{4ED50C9F-4B5B-4DF8-938B-6E3DEB157C8B}" dt="2018-03-26T03:44:40.691" v="2765" actId="20577"/>
           <pc:sldLayoutMkLst>
             <pc:docMk/>
             <pc:sldMasterMk cId="3767968628" sldId="2147483660"/>
             <pc:sldLayoutMk cId="2360016536" sldId="2147483664"/>
           </pc:sldLayoutMkLst>
           <pc:spChg chg="mod">
-            <ac:chgData name="김경만" userId="8cab216f9b18b032" providerId="LiveId" clId="{4ED50C9F-4B5B-4DF8-938B-6E3DEB157C8B}" dt="2018-03-26T03:44:40.691" v="2765"/>
+            <ac:chgData name="김경만" userId="8cab216f9b18b032" providerId="LiveId" clId="{4ED50C9F-4B5B-4DF8-938B-6E3DEB157C8B}" dt="2018-03-26T03:44:40.691" v="2765" actId="20577"/>
             <ac:spMkLst>
               <pc:docMk/>
               <pc:sldMasterMk cId="3767968628" sldId="2147483660"/>
@@ -1660,7 +1556,7 @@
           <p:cNvPr id="2" name="제목 1">
             <a:extLst>
               <a:ext uri="{FF2B5EF4-FFF2-40B4-BE49-F238E27FC236}">
-                <a16:creationId xmlns:a16="http://schemas.microsoft.com/office/drawing/2014/main" xmlns="" id="{685DBE0E-C8B2-4E28-9FF4-CE025C0A591C}"/>
+                <a16:creationId xmlns:a16="http://schemas.microsoft.com/office/drawing/2014/main" id="{685DBE0E-C8B2-4E28-9FF4-CE025C0A591C}"/>
               </a:ext>
             </a:extLst>
           </p:cNvPr>
@@ -1697,7 +1593,7 @@
           <p:cNvPr id="3" name="부제목 2">
             <a:extLst>
               <a:ext uri="{FF2B5EF4-FFF2-40B4-BE49-F238E27FC236}">
-                <a16:creationId xmlns:a16="http://schemas.microsoft.com/office/drawing/2014/main" xmlns="" id="{D52DDE59-296E-4A1F-B8A6-02AC2D17AABD}"/>
+                <a16:creationId xmlns:a16="http://schemas.microsoft.com/office/drawing/2014/main" id="{D52DDE59-296E-4A1F-B8A6-02AC2D17AABD}"/>
               </a:ext>
             </a:extLst>
           </p:cNvPr>
@@ -1767,7 +1663,7 @@
           <p:cNvPr id="4" name="날짜 개체 틀 3">
             <a:extLst>
               <a:ext uri="{FF2B5EF4-FFF2-40B4-BE49-F238E27FC236}">
-                <a16:creationId xmlns:a16="http://schemas.microsoft.com/office/drawing/2014/main" xmlns="" id="{1D05D5ED-ADC6-4702-9A7A-BC090CCF365D}"/>
+                <a16:creationId xmlns:a16="http://schemas.microsoft.com/office/drawing/2014/main" id="{1D05D5ED-ADC6-4702-9A7A-BC090CCF365D}"/>
               </a:ext>
             </a:extLst>
           </p:cNvPr>
@@ -1785,7 +1681,7 @@
           <a:p>
             <a:fld id="{B9FBDE76-6422-4000-9109-4A796E9FC590}" type="datetimeFigureOut">
               <a:rPr lang="ko-KR" altLang="en-US" smtClean="0"/>
-              <a:t>2018-03-26</a:t>
+              <a:t>2018-03-28</a:t>
             </a:fld>
             <a:endParaRPr lang="ko-KR" altLang="en-US"/>
           </a:p>
@@ -1796,7 +1692,7 @@
           <p:cNvPr id="5" name="바닥글 개체 틀 4">
             <a:extLst>
               <a:ext uri="{FF2B5EF4-FFF2-40B4-BE49-F238E27FC236}">
-                <a16:creationId xmlns:a16="http://schemas.microsoft.com/office/drawing/2014/main" xmlns="" id="{D6B5669C-FB22-4A9E-B4B3-13FC46138D46}"/>
+                <a16:creationId xmlns:a16="http://schemas.microsoft.com/office/drawing/2014/main" id="{D6B5669C-FB22-4A9E-B4B3-13FC46138D46}"/>
               </a:ext>
             </a:extLst>
           </p:cNvPr>
@@ -1821,7 +1717,7 @@
           <p:cNvPr id="7" name="슬라이드 번호 개체 틀 5">
             <a:extLst>
               <a:ext uri="{FF2B5EF4-FFF2-40B4-BE49-F238E27FC236}">
-                <a16:creationId xmlns:a16="http://schemas.microsoft.com/office/drawing/2014/main" xmlns="" id="{271EAF2C-ED3B-4C5D-8DFB-AD80703E1D5B}"/>
+                <a16:creationId xmlns:a16="http://schemas.microsoft.com/office/drawing/2014/main" id="{271EAF2C-ED3B-4C5D-8DFB-AD80703E1D5B}"/>
               </a:ext>
             </a:extLst>
           </p:cNvPr>
@@ -1985,7 +1881,7 @@
           <p:cNvPr id="2" name="제목 1">
             <a:extLst>
               <a:ext uri="{FF2B5EF4-FFF2-40B4-BE49-F238E27FC236}">
-                <a16:creationId xmlns:a16="http://schemas.microsoft.com/office/drawing/2014/main" xmlns="" id="{D65B9759-DDF2-47A7-B9B0-D8131E6F4965}"/>
+                <a16:creationId xmlns:a16="http://schemas.microsoft.com/office/drawing/2014/main" id="{D65B9759-DDF2-47A7-B9B0-D8131E6F4965}"/>
               </a:ext>
             </a:extLst>
           </p:cNvPr>
@@ -2013,7 +1909,7 @@
           <p:cNvPr id="3" name="세로 텍스트 개체 틀 2">
             <a:extLst>
               <a:ext uri="{FF2B5EF4-FFF2-40B4-BE49-F238E27FC236}">
-                <a16:creationId xmlns:a16="http://schemas.microsoft.com/office/drawing/2014/main" xmlns="" id="{29C98A41-2302-452D-B56B-E4CA7427045D}"/>
+                <a16:creationId xmlns:a16="http://schemas.microsoft.com/office/drawing/2014/main" id="{29C98A41-2302-452D-B56B-E4CA7427045D}"/>
               </a:ext>
             </a:extLst>
           </p:cNvPr>
@@ -2070,7 +1966,7 @@
           <p:cNvPr id="4" name="날짜 개체 틀 3">
             <a:extLst>
               <a:ext uri="{FF2B5EF4-FFF2-40B4-BE49-F238E27FC236}">
-                <a16:creationId xmlns:a16="http://schemas.microsoft.com/office/drawing/2014/main" xmlns="" id="{5E2E6477-FF3C-49F4-A6DE-97898DC5F683}"/>
+                <a16:creationId xmlns:a16="http://schemas.microsoft.com/office/drawing/2014/main" id="{5E2E6477-FF3C-49F4-A6DE-97898DC5F683}"/>
               </a:ext>
             </a:extLst>
           </p:cNvPr>
@@ -2088,7 +1984,7 @@
           <a:p>
             <a:fld id="{B9FBDE76-6422-4000-9109-4A796E9FC590}" type="datetimeFigureOut">
               <a:rPr lang="ko-KR" altLang="en-US" smtClean="0"/>
-              <a:t>2018-03-26</a:t>
+              <a:t>2018-03-28</a:t>
             </a:fld>
             <a:endParaRPr lang="ko-KR" altLang="en-US"/>
           </a:p>
@@ -2099,7 +1995,7 @@
           <p:cNvPr id="5" name="바닥글 개체 틀 4">
             <a:extLst>
               <a:ext uri="{FF2B5EF4-FFF2-40B4-BE49-F238E27FC236}">
-                <a16:creationId xmlns:a16="http://schemas.microsoft.com/office/drawing/2014/main" xmlns="" id="{BD202154-7CA7-4C00-8274-AE0B49716B1F}"/>
+                <a16:creationId xmlns:a16="http://schemas.microsoft.com/office/drawing/2014/main" id="{BD202154-7CA7-4C00-8274-AE0B49716B1F}"/>
               </a:ext>
             </a:extLst>
           </p:cNvPr>
@@ -2124,7 +2020,7 @@
           <p:cNvPr id="6" name="슬라이드 번호 개체 틀 5">
             <a:extLst>
               <a:ext uri="{FF2B5EF4-FFF2-40B4-BE49-F238E27FC236}">
-                <a16:creationId xmlns:a16="http://schemas.microsoft.com/office/drawing/2014/main" xmlns="" id="{684578FB-BCF8-4E5C-AD81-097C44A1324F}"/>
+                <a16:creationId xmlns:a16="http://schemas.microsoft.com/office/drawing/2014/main" id="{684578FB-BCF8-4E5C-AD81-097C44A1324F}"/>
               </a:ext>
             </a:extLst>
           </p:cNvPr>
@@ -2191,7 +2087,7 @@
           <p:cNvPr id="2" name="세로 제목 1">
             <a:extLst>
               <a:ext uri="{FF2B5EF4-FFF2-40B4-BE49-F238E27FC236}">
-                <a16:creationId xmlns:a16="http://schemas.microsoft.com/office/drawing/2014/main" xmlns="" id="{1D72CCBF-1E85-4D4C-826F-7F07E79A4EE6}"/>
+                <a16:creationId xmlns:a16="http://schemas.microsoft.com/office/drawing/2014/main" id="{1D72CCBF-1E85-4D4C-826F-7F07E79A4EE6}"/>
               </a:ext>
             </a:extLst>
           </p:cNvPr>
@@ -2224,7 +2120,7 @@
           <p:cNvPr id="3" name="세로 텍스트 개체 틀 2">
             <a:extLst>
               <a:ext uri="{FF2B5EF4-FFF2-40B4-BE49-F238E27FC236}">
-                <a16:creationId xmlns:a16="http://schemas.microsoft.com/office/drawing/2014/main" xmlns="" id="{5BD62DDA-9EE2-47AD-BEEC-9B2E65B81E01}"/>
+                <a16:creationId xmlns:a16="http://schemas.microsoft.com/office/drawing/2014/main" id="{5BD62DDA-9EE2-47AD-BEEC-9B2E65B81E01}"/>
               </a:ext>
             </a:extLst>
           </p:cNvPr>
@@ -2286,7 +2182,7 @@
           <p:cNvPr id="4" name="날짜 개체 틀 3">
             <a:extLst>
               <a:ext uri="{FF2B5EF4-FFF2-40B4-BE49-F238E27FC236}">
-                <a16:creationId xmlns:a16="http://schemas.microsoft.com/office/drawing/2014/main" xmlns="" id="{0E506EEA-13E7-4D89-A879-E5159B121E89}"/>
+                <a16:creationId xmlns:a16="http://schemas.microsoft.com/office/drawing/2014/main" id="{0E506EEA-13E7-4D89-A879-E5159B121E89}"/>
               </a:ext>
             </a:extLst>
           </p:cNvPr>
@@ -2304,7 +2200,7 @@
           <a:p>
             <a:fld id="{B9FBDE76-6422-4000-9109-4A796E9FC590}" type="datetimeFigureOut">
               <a:rPr lang="ko-KR" altLang="en-US" smtClean="0"/>
-              <a:t>2018-03-26</a:t>
+              <a:t>2018-03-28</a:t>
             </a:fld>
             <a:endParaRPr lang="ko-KR" altLang="en-US"/>
           </a:p>
@@ -2315,7 +2211,7 @@
           <p:cNvPr id="5" name="바닥글 개체 틀 4">
             <a:extLst>
               <a:ext uri="{FF2B5EF4-FFF2-40B4-BE49-F238E27FC236}">
-                <a16:creationId xmlns:a16="http://schemas.microsoft.com/office/drawing/2014/main" xmlns="" id="{82175CA4-38BB-4457-A0F0-14C0DBFCEF59}"/>
+                <a16:creationId xmlns:a16="http://schemas.microsoft.com/office/drawing/2014/main" id="{82175CA4-38BB-4457-A0F0-14C0DBFCEF59}"/>
               </a:ext>
             </a:extLst>
           </p:cNvPr>
@@ -2340,7 +2236,7 @@
           <p:cNvPr id="6" name="슬라이드 번호 개체 틀 5">
             <a:extLst>
               <a:ext uri="{FF2B5EF4-FFF2-40B4-BE49-F238E27FC236}">
-                <a16:creationId xmlns:a16="http://schemas.microsoft.com/office/drawing/2014/main" xmlns="" id="{A475A306-7908-4E2A-A7FB-0E3DA1E4A0FC}"/>
+                <a16:creationId xmlns:a16="http://schemas.microsoft.com/office/drawing/2014/main" id="{A475A306-7908-4E2A-A7FB-0E3DA1E4A0FC}"/>
               </a:ext>
             </a:extLst>
           </p:cNvPr>
@@ -2516,7 +2412,7 @@
           <a:p>
             <a:fld id="{B9FBDE76-6422-4000-9109-4A796E9FC590}" type="datetimeFigureOut">
               <a:rPr lang="ko-KR" altLang="en-US" smtClean="0"/>
-              <a:t>2018-03-26</a:t>
+              <a:t>2018-03-28</a:t>
             </a:fld>
             <a:endParaRPr lang="ko-KR" altLang="en-US"/>
           </a:p>
@@ -2686,7 +2582,7 @@
           <a:p>
             <a:fld id="{B9FBDE76-6422-4000-9109-4A796E9FC590}" type="datetimeFigureOut">
               <a:rPr lang="ko-KR" altLang="en-US" smtClean="0"/>
-              <a:t>2018-03-26</a:t>
+              <a:t>2018-03-28</a:t>
             </a:fld>
             <a:endParaRPr lang="ko-KR" altLang="en-US"/>
           </a:p>
@@ -2930,7 +2826,7 @@
           <a:p>
             <a:fld id="{B9FBDE76-6422-4000-9109-4A796E9FC590}" type="datetimeFigureOut">
               <a:rPr lang="ko-KR" altLang="en-US" smtClean="0"/>
-              <a:t>2018-03-26</a:t>
+              <a:t>2018-03-28</a:t>
             </a:fld>
             <a:endParaRPr lang="ko-KR" altLang="en-US"/>
           </a:p>
@@ -3162,7 +3058,7 @@
           <a:p>
             <a:fld id="{B9FBDE76-6422-4000-9109-4A796E9FC590}" type="datetimeFigureOut">
               <a:rPr lang="ko-KR" altLang="en-US" smtClean="0"/>
-              <a:t>2018-03-26</a:t>
+              <a:t>2018-03-28</a:t>
             </a:fld>
             <a:endParaRPr lang="ko-KR" altLang="en-US"/>
           </a:p>
@@ -3529,7 +3425,7 @@
           <a:p>
             <a:fld id="{B9FBDE76-6422-4000-9109-4A796E9FC590}" type="datetimeFigureOut">
               <a:rPr lang="ko-KR" altLang="en-US" smtClean="0"/>
-              <a:t>2018-03-26</a:t>
+              <a:t>2018-03-28</a:t>
             </a:fld>
             <a:endParaRPr lang="ko-KR" altLang="en-US"/>
           </a:p>
@@ -3647,7 +3543,7 @@
           <a:p>
             <a:fld id="{B9FBDE76-6422-4000-9109-4A796E9FC590}" type="datetimeFigureOut">
               <a:rPr lang="ko-KR" altLang="en-US" smtClean="0"/>
-              <a:t>2018-03-26</a:t>
+              <a:t>2018-03-28</a:t>
             </a:fld>
             <a:endParaRPr lang="ko-KR" altLang="en-US"/>
           </a:p>
@@ -3742,7 +3638,7 @@
           <a:p>
             <a:fld id="{B9FBDE76-6422-4000-9109-4A796E9FC590}" type="datetimeFigureOut">
               <a:rPr lang="ko-KR" altLang="en-US" smtClean="0"/>
-              <a:t>2018-03-26</a:t>
+              <a:t>2018-03-28</a:t>
             </a:fld>
             <a:endParaRPr lang="ko-KR" altLang="en-US"/>
           </a:p>
@@ -4019,7 +3915,7 @@
           <a:p>
             <a:fld id="{B9FBDE76-6422-4000-9109-4A796E9FC590}" type="datetimeFigureOut">
               <a:rPr lang="ko-KR" altLang="en-US" smtClean="0"/>
-              <a:t>2018-03-26</a:t>
+              <a:t>2018-03-28</a:t>
             </a:fld>
             <a:endParaRPr lang="ko-KR" altLang="en-US"/>
           </a:p>
@@ -4102,7 +3998,7 @@
           <p:cNvPr id="2" name="제목 1">
             <a:extLst>
               <a:ext uri="{FF2B5EF4-FFF2-40B4-BE49-F238E27FC236}">
-                <a16:creationId xmlns:a16="http://schemas.microsoft.com/office/drawing/2014/main" xmlns="" id="{A131E5AE-09CA-4C2F-8A85-B4034881DE75}"/>
+                <a16:creationId xmlns:a16="http://schemas.microsoft.com/office/drawing/2014/main" id="{A131E5AE-09CA-4C2F-8A85-B4034881DE75}"/>
               </a:ext>
             </a:extLst>
           </p:cNvPr>
@@ -4148,7 +4044,7 @@
           <p:cNvPr id="3" name="내용 개체 틀 2">
             <a:extLst>
               <a:ext uri="{FF2B5EF4-FFF2-40B4-BE49-F238E27FC236}">
-                <a16:creationId xmlns:a16="http://schemas.microsoft.com/office/drawing/2014/main" xmlns="" id="{84634E8F-44DA-4E31-B7E6-EBC306B13A02}"/>
+                <a16:creationId xmlns:a16="http://schemas.microsoft.com/office/drawing/2014/main" id="{84634E8F-44DA-4E31-B7E6-EBC306B13A02}"/>
               </a:ext>
             </a:extLst>
           </p:cNvPr>
@@ -4211,7 +4107,7 @@
           <p:cNvPr id="4" name="날짜 개체 틀 3">
             <a:extLst>
               <a:ext uri="{FF2B5EF4-FFF2-40B4-BE49-F238E27FC236}">
-                <a16:creationId xmlns:a16="http://schemas.microsoft.com/office/drawing/2014/main" xmlns="" id="{14E77C30-581B-4A62-BFF1-A875ED011E92}"/>
+                <a16:creationId xmlns:a16="http://schemas.microsoft.com/office/drawing/2014/main" id="{14E77C30-581B-4A62-BFF1-A875ED011E92}"/>
               </a:ext>
             </a:extLst>
           </p:cNvPr>
@@ -4229,7 +4125,7 @@
           <a:p>
             <a:fld id="{B9FBDE76-6422-4000-9109-4A796E9FC590}" type="datetimeFigureOut">
               <a:rPr lang="ko-KR" altLang="en-US" smtClean="0"/>
-              <a:t>2018-03-26</a:t>
+              <a:t>2018-03-28</a:t>
             </a:fld>
             <a:endParaRPr lang="ko-KR" altLang="en-US"/>
           </a:p>
@@ -4240,7 +4136,7 @@
           <p:cNvPr id="5" name="바닥글 개체 틀 4">
             <a:extLst>
               <a:ext uri="{FF2B5EF4-FFF2-40B4-BE49-F238E27FC236}">
-                <a16:creationId xmlns:a16="http://schemas.microsoft.com/office/drawing/2014/main" xmlns="" id="{8E03E100-DE86-43C1-BD79-FF7387DD02C3}"/>
+                <a16:creationId xmlns:a16="http://schemas.microsoft.com/office/drawing/2014/main" id="{8E03E100-DE86-43C1-BD79-FF7387DD02C3}"/>
               </a:ext>
             </a:extLst>
           </p:cNvPr>
@@ -4265,7 +4161,7 @@
           <p:cNvPr id="8" name="슬라이드 번호 개체 틀 5">
             <a:extLst>
               <a:ext uri="{FF2B5EF4-FFF2-40B4-BE49-F238E27FC236}">
-                <a16:creationId xmlns:a16="http://schemas.microsoft.com/office/drawing/2014/main" xmlns="" id="{B49FC37F-A5A9-4F3B-8718-6A03158D987A}"/>
+                <a16:creationId xmlns:a16="http://schemas.microsoft.com/office/drawing/2014/main" id="{B49FC37F-A5A9-4F3B-8718-6A03158D987A}"/>
               </a:ext>
             </a:extLst>
           </p:cNvPr>
@@ -4603,7 +4499,7 @@
           <a:p>
             <a:fld id="{B9FBDE76-6422-4000-9109-4A796E9FC590}" type="datetimeFigureOut">
               <a:rPr lang="ko-KR" altLang="en-US" smtClean="0"/>
-              <a:t>2018-03-26</a:t>
+              <a:t>2018-03-28</a:t>
             </a:fld>
             <a:endParaRPr lang="ko-KR" altLang="en-US"/>
           </a:p>
@@ -4773,7 +4669,7 @@
           <a:p>
             <a:fld id="{B9FBDE76-6422-4000-9109-4A796E9FC590}" type="datetimeFigureOut">
               <a:rPr lang="ko-KR" altLang="en-US" smtClean="0"/>
-              <a:t>2018-03-26</a:t>
+              <a:t>2018-03-28</a:t>
             </a:fld>
             <a:endParaRPr lang="ko-KR" altLang="en-US"/>
           </a:p>
@@ -4953,7 +4849,7 @@
           <a:p>
             <a:fld id="{B9FBDE76-6422-4000-9109-4A796E9FC590}" type="datetimeFigureOut">
               <a:rPr lang="ko-KR" altLang="en-US" smtClean="0"/>
-              <a:t>2018-03-26</a:t>
+              <a:t>2018-03-28</a:t>
             </a:fld>
             <a:endParaRPr lang="ko-KR" altLang="en-US"/>
           </a:p>
@@ -5036,7 +4932,7 @@
           <p:cNvPr id="2" name="제목 1">
             <a:extLst>
               <a:ext uri="{FF2B5EF4-FFF2-40B4-BE49-F238E27FC236}">
-                <a16:creationId xmlns:a16="http://schemas.microsoft.com/office/drawing/2014/main" xmlns="" id="{B6D66490-F053-48BC-95FD-FB572A178F51}"/>
+                <a16:creationId xmlns:a16="http://schemas.microsoft.com/office/drawing/2014/main" id="{B6D66490-F053-48BC-95FD-FB572A178F51}"/>
               </a:ext>
             </a:extLst>
           </p:cNvPr>
@@ -5073,7 +4969,7 @@
           <p:cNvPr id="3" name="텍스트 개체 틀 2">
             <a:extLst>
               <a:ext uri="{FF2B5EF4-FFF2-40B4-BE49-F238E27FC236}">
-                <a16:creationId xmlns:a16="http://schemas.microsoft.com/office/drawing/2014/main" xmlns="" id="{74E895CE-F64F-4547-938D-7CFFC3BBA289}"/>
+                <a16:creationId xmlns:a16="http://schemas.microsoft.com/office/drawing/2014/main" id="{74E895CE-F64F-4547-938D-7CFFC3BBA289}"/>
               </a:ext>
             </a:extLst>
           </p:cNvPr>
@@ -5198,7 +5094,7 @@
           <p:cNvPr id="4" name="날짜 개체 틀 3">
             <a:extLst>
               <a:ext uri="{FF2B5EF4-FFF2-40B4-BE49-F238E27FC236}">
-                <a16:creationId xmlns:a16="http://schemas.microsoft.com/office/drawing/2014/main" xmlns="" id="{38BB5D88-7B5B-4B24-99E4-A29521460738}"/>
+                <a16:creationId xmlns:a16="http://schemas.microsoft.com/office/drawing/2014/main" id="{38BB5D88-7B5B-4B24-99E4-A29521460738}"/>
               </a:ext>
             </a:extLst>
           </p:cNvPr>
@@ -5216,7 +5112,7 @@
           <a:p>
             <a:fld id="{B9FBDE76-6422-4000-9109-4A796E9FC590}" type="datetimeFigureOut">
               <a:rPr lang="ko-KR" altLang="en-US" smtClean="0"/>
-              <a:t>2018-03-26</a:t>
+              <a:t>2018-03-28</a:t>
             </a:fld>
             <a:endParaRPr lang="ko-KR" altLang="en-US"/>
           </a:p>
@@ -5227,7 +5123,7 @@
           <p:cNvPr id="5" name="바닥글 개체 틀 4">
             <a:extLst>
               <a:ext uri="{FF2B5EF4-FFF2-40B4-BE49-F238E27FC236}">
-                <a16:creationId xmlns:a16="http://schemas.microsoft.com/office/drawing/2014/main" xmlns="" id="{9B3EDF57-30C6-46A7-A811-3021D9E27F07}"/>
+                <a16:creationId xmlns:a16="http://schemas.microsoft.com/office/drawing/2014/main" id="{9B3EDF57-30C6-46A7-A811-3021D9E27F07}"/>
               </a:ext>
             </a:extLst>
           </p:cNvPr>
@@ -5252,7 +5148,7 @@
           <p:cNvPr id="6" name="슬라이드 번호 개체 틀 5">
             <a:extLst>
               <a:ext uri="{FF2B5EF4-FFF2-40B4-BE49-F238E27FC236}">
-                <a16:creationId xmlns:a16="http://schemas.microsoft.com/office/drawing/2014/main" xmlns="" id="{23EA7A21-26C0-4A33-97AE-A0C75D4AD1C6}"/>
+                <a16:creationId xmlns:a16="http://schemas.microsoft.com/office/drawing/2014/main" id="{23EA7A21-26C0-4A33-97AE-A0C75D4AD1C6}"/>
               </a:ext>
             </a:extLst>
           </p:cNvPr>
@@ -5319,7 +5215,7 @@
           <p:cNvPr id="2" name="제목 1">
             <a:extLst>
               <a:ext uri="{FF2B5EF4-FFF2-40B4-BE49-F238E27FC236}">
-                <a16:creationId xmlns:a16="http://schemas.microsoft.com/office/drawing/2014/main" xmlns="" id="{ED20B781-97B3-42C9-8D89-D96B150108DE}"/>
+                <a16:creationId xmlns:a16="http://schemas.microsoft.com/office/drawing/2014/main" id="{ED20B781-97B3-42C9-8D89-D96B150108DE}"/>
               </a:ext>
             </a:extLst>
           </p:cNvPr>
@@ -5348,7 +5244,7 @@
           <p:cNvPr id="3" name="내용 개체 틀 2">
             <a:extLst>
               <a:ext uri="{FF2B5EF4-FFF2-40B4-BE49-F238E27FC236}">
-                <a16:creationId xmlns:a16="http://schemas.microsoft.com/office/drawing/2014/main" xmlns="" id="{2707E764-3029-45BC-B92E-0724202D6D4D}"/>
+                <a16:creationId xmlns:a16="http://schemas.microsoft.com/office/drawing/2014/main" id="{2707E764-3029-45BC-B92E-0724202D6D4D}"/>
               </a:ext>
             </a:extLst>
           </p:cNvPr>
@@ -5411,7 +5307,7 @@
           <p:cNvPr id="4" name="내용 개체 틀 3">
             <a:extLst>
               <a:ext uri="{FF2B5EF4-FFF2-40B4-BE49-F238E27FC236}">
-                <a16:creationId xmlns:a16="http://schemas.microsoft.com/office/drawing/2014/main" xmlns="" id="{C9022742-5534-4A5A-B48F-F4026CE1F34C}"/>
+                <a16:creationId xmlns:a16="http://schemas.microsoft.com/office/drawing/2014/main" id="{C9022742-5534-4A5A-B48F-F4026CE1F34C}"/>
               </a:ext>
             </a:extLst>
           </p:cNvPr>
@@ -5474,7 +5370,7 @@
           <p:cNvPr id="5" name="날짜 개체 틀 4">
             <a:extLst>
               <a:ext uri="{FF2B5EF4-FFF2-40B4-BE49-F238E27FC236}">
-                <a16:creationId xmlns:a16="http://schemas.microsoft.com/office/drawing/2014/main" xmlns="" id="{1DE507FA-4DC1-475A-BB9D-5E403F3EE5BD}"/>
+                <a16:creationId xmlns:a16="http://schemas.microsoft.com/office/drawing/2014/main" id="{1DE507FA-4DC1-475A-BB9D-5E403F3EE5BD}"/>
               </a:ext>
             </a:extLst>
           </p:cNvPr>
@@ -5492,7 +5388,7 @@
           <a:p>
             <a:fld id="{B9FBDE76-6422-4000-9109-4A796E9FC590}" type="datetimeFigureOut">
               <a:rPr lang="ko-KR" altLang="en-US" smtClean="0"/>
-              <a:t>2018-03-26</a:t>
+              <a:t>2018-03-28</a:t>
             </a:fld>
             <a:endParaRPr lang="ko-KR" altLang="en-US"/>
           </a:p>
@@ -5503,7 +5399,7 @@
           <p:cNvPr id="6" name="바닥글 개체 틀 5">
             <a:extLst>
               <a:ext uri="{FF2B5EF4-FFF2-40B4-BE49-F238E27FC236}">
-                <a16:creationId xmlns:a16="http://schemas.microsoft.com/office/drawing/2014/main" xmlns="" id="{8409E489-BFB7-4E88-82F6-763A4F420A17}"/>
+                <a16:creationId xmlns:a16="http://schemas.microsoft.com/office/drawing/2014/main" id="{8409E489-BFB7-4E88-82F6-763A4F420A17}"/>
               </a:ext>
             </a:extLst>
           </p:cNvPr>
@@ -5528,7 +5424,7 @@
           <p:cNvPr id="14" name="슬라이드 번호 개체 틀 5">
             <a:extLst>
               <a:ext uri="{FF2B5EF4-FFF2-40B4-BE49-F238E27FC236}">
-                <a16:creationId xmlns:a16="http://schemas.microsoft.com/office/drawing/2014/main" xmlns="" id="{5927EA6D-1881-417C-B80F-8CCA2812A300}"/>
+                <a16:creationId xmlns:a16="http://schemas.microsoft.com/office/drawing/2014/main" id="{5927EA6D-1881-417C-B80F-8CCA2812A300}"/>
               </a:ext>
             </a:extLst>
           </p:cNvPr>
@@ -5692,7 +5588,7 @@
           <p:cNvPr id="2" name="제목 1">
             <a:extLst>
               <a:ext uri="{FF2B5EF4-FFF2-40B4-BE49-F238E27FC236}">
-                <a16:creationId xmlns:a16="http://schemas.microsoft.com/office/drawing/2014/main" xmlns="" id="{D4777E94-5F23-4796-8CC5-A9495361E5B8}"/>
+                <a16:creationId xmlns:a16="http://schemas.microsoft.com/office/drawing/2014/main" id="{D4777E94-5F23-4796-8CC5-A9495361E5B8}"/>
               </a:ext>
             </a:extLst>
           </p:cNvPr>
@@ -5725,7 +5621,7 @@
           <p:cNvPr id="3" name="텍스트 개체 틀 2">
             <a:extLst>
               <a:ext uri="{FF2B5EF4-FFF2-40B4-BE49-F238E27FC236}">
-                <a16:creationId xmlns:a16="http://schemas.microsoft.com/office/drawing/2014/main" xmlns="" id="{C6FAD52B-F6BC-4F49-BDB4-B742740F572A}"/>
+                <a16:creationId xmlns:a16="http://schemas.microsoft.com/office/drawing/2014/main" id="{C6FAD52B-F6BC-4F49-BDB4-B742740F572A}"/>
               </a:ext>
             </a:extLst>
           </p:cNvPr>
@@ -5796,7 +5692,7 @@
           <p:cNvPr id="4" name="내용 개체 틀 3">
             <a:extLst>
               <a:ext uri="{FF2B5EF4-FFF2-40B4-BE49-F238E27FC236}">
-                <a16:creationId xmlns:a16="http://schemas.microsoft.com/office/drawing/2014/main" xmlns="" id="{665CA521-E395-4B3A-BB24-66D1FE83D454}"/>
+                <a16:creationId xmlns:a16="http://schemas.microsoft.com/office/drawing/2014/main" id="{665CA521-E395-4B3A-BB24-66D1FE83D454}"/>
               </a:ext>
             </a:extLst>
           </p:cNvPr>
@@ -5858,7 +5754,7 @@
           <p:cNvPr id="5" name="텍스트 개체 틀 4">
             <a:extLst>
               <a:ext uri="{FF2B5EF4-FFF2-40B4-BE49-F238E27FC236}">
-                <a16:creationId xmlns:a16="http://schemas.microsoft.com/office/drawing/2014/main" xmlns="" id="{AC80DDD5-1391-4881-9882-84BE260AAF92}"/>
+                <a16:creationId xmlns:a16="http://schemas.microsoft.com/office/drawing/2014/main" id="{AC80DDD5-1391-4881-9882-84BE260AAF92}"/>
               </a:ext>
             </a:extLst>
           </p:cNvPr>
@@ -5929,7 +5825,7 @@
           <p:cNvPr id="6" name="내용 개체 틀 5">
             <a:extLst>
               <a:ext uri="{FF2B5EF4-FFF2-40B4-BE49-F238E27FC236}">
-                <a16:creationId xmlns:a16="http://schemas.microsoft.com/office/drawing/2014/main" xmlns="" id="{FD78C974-DD9E-44E9-A82A-CEFDC7D6D00A}"/>
+                <a16:creationId xmlns:a16="http://schemas.microsoft.com/office/drawing/2014/main" id="{FD78C974-DD9E-44E9-A82A-CEFDC7D6D00A}"/>
               </a:ext>
             </a:extLst>
           </p:cNvPr>
@@ -5991,7 +5887,7 @@
           <p:cNvPr id="7" name="날짜 개체 틀 6">
             <a:extLst>
               <a:ext uri="{FF2B5EF4-FFF2-40B4-BE49-F238E27FC236}">
-                <a16:creationId xmlns:a16="http://schemas.microsoft.com/office/drawing/2014/main" xmlns="" id="{6300DD04-96C5-463C-96A1-6976ABD96F4C}"/>
+                <a16:creationId xmlns:a16="http://schemas.microsoft.com/office/drawing/2014/main" id="{6300DD04-96C5-463C-96A1-6976ABD96F4C}"/>
               </a:ext>
             </a:extLst>
           </p:cNvPr>
@@ -6009,7 +5905,7 @@
           <a:p>
             <a:fld id="{B9FBDE76-6422-4000-9109-4A796E9FC590}" type="datetimeFigureOut">
               <a:rPr lang="ko-KR" altLang="en-US" smtClean="0"/>
-              <a:t>2018-03-26</a:t>
+              <a:t>2018-03-28</a:t>
             </a:fld>
             <a:endParaRPr lang="ko-KR" altLang="en-US"/>
           </a:p>
@@ -6020,7 +5916,7 @@
           <p:cNvPr id="8" name="바닥글 개체 틀 7">
             <a:extLst>
               <a:ext uri="{FF2B5EF4-FFF2-40B4-BE49-F238E27FC236}">
-                <a16:creationId xmlns:a16="http://schemas.microsoft.com/office/drawing/2014/main" xmlns="" id="{6C47A8A7-BAFA-4AB4-82E7-12529129AB8B}"/>
+                <a16:creationId xmlns:a16="http://schemas.microsoft.com/office/drawing/2014/main" id="{6C47A8A7-BAFA-4AB4-82E7-12529129AB8B}"/>
               </a:ext>
             </a:extLst>
           </p:cNvPr>
@@ -6045,7 +5941,7 @@
           <p:cNvPr id="9" name="슬라이드 번호 개체 틀 8">
             <a:extLst>
               <a:ext uri="{FF2B5EF4-FFF2-40B4-BE49-F238E27FC236}">
-                <a16:creationId xmlns:a16="http://schemas.microsoft.com/office/drawing/2014/main" xmlns="" id="{4905E0F9-F155-4093-BA43-4FB1F39C5550}"/>
+                <a16:creationId xmlns:a16="http://schemas.microsoft.com/office/drawing/2014/main" id="{4905E0F9-F155-4093-BA43-4FB1F39C5550}"/>
               </a:ext>
             </a:extLst>
           </p:cNvPr>
@@ -6112,7 +6008,7 @@
           <p:cNvPr id="2" name="제목 1">
             <a:extLst>
               <a:ext uri="{FF2B5EF4-FFF2-40B4-BE49-F238E27FC236}">
-                <a16:creationId xmlns:a16="http://schemas.microsoft.com/office/drawing/2014/main" xmlns="" id="{4CCDF777-D18E-46B0-B002-11DCD74D631D}"/>
+                <a16:creationId xmlns:a16="http://schemas.microsoft.com/office/drawing/2014/main" id="{4CCDF777-D18E-46B0-B002-11DCD74D631D}"/>
               </a:ext>
             </a:extLst>
           </p:cNvPr>
@@ -6140,7 +6036,7 @@
           <p:cNvPr id="3" name="날짜 개체 틀 2">
             <a:extLst>
               <a:ext uri="{FF2B5EF4-FFF2-40B4-BE49-F238E27FC236}">
-                <a16:creationId xmlns:a16="http://schemas.microsoft.com/office/drawing/2014/main" xmlns="" id="{24AEF6DB-3623-471A-AF03-DE9CB132C672}"/>
+                <a16:creationId xmlns:a16="http://schemas.microsoft.com/office/drawing/2014/main" id="{24AEF6DB-3623-471A-AF03-DE9CB132C672}"/>
               </a:ext>
             </a:extLst>
           </p:cNvPr>
@@ -6158,7 +6054,7 @@
           <a:p>
             <a:fld id="{B9FBDE76-6422-4000-9109-4A796E9FC590}" type="datetimeFigureOut">
               <a:rPr lang="ko-KR" altLang="en-US" smtClean="0"/>
-              <a:t>2018-03-26</a:t>
+              <a:t>2018-03-28</a:t>
             </a:fld>
             <a:endParaRPr lang="ko-KR" altLang="en-US"/>
           </a:p>
@@ -6169,7 +6065,7 @@
           <p:cNvPr id="4" name="바닥글 개체 틀 3">
             <a:extLst>
               <a:ext uri="{FF2B5EF4-FFF2-40B4-BE49-F238E27FC236}">
-                <a16:creationId xmlns:a16="http://schemas.microsoft.com/office/drawing/2014/main" xmlns="" id="{BC2FC96C-2169-4EDA-85F6-19ECF2892966}"/>
+                <a16:creationId xmlns:a16="http://schemas.microsoft.com/office/drawing/2014/main" id="{BC2FC96C-2169-4EDA-85F6-19ECF2892966}"/>
               </a:ext>
             </a:extLst>
           </p:cNvPr>
@@ -6194,7 +6090,7 @@
           <p:cNvPr id="5" name="슬라이드 번호 개체 틀 4">
             <a:extLst>
               <a:ext uri="{FF2B5EF4-FFF2-40B4-BE49-F238E27FC236}">
-                <a16:creationId xmlns:a16="http://schemas.microsoft.com/office/drawing/2014/main" xmlns="" id="{0BC58A23-DCCE-4749-8011-D21BB1498364}"/>
+                <a16:creationId xmlns:a16="http://schemas.microsoft.com/office/drawing/2014/main" id="{0BC58A23-DCCE-4749-8011-D21BB1498364}"/>
               </a:ext>
             </a:extLst>
           </p:cNvPr>
@@ -6261,7 +6157,7 @@
           <p:cNvPr id="2" name="날짜 개체 틀 1">
             <a:extLst>
               <a:ext uri="{FF2B5EF4-FFF2-40B4-BE49-F238E27FC236}">
-                <a16:creationId xmlns:a16="http://schemas.microsoft.com/office/drawing/2014/main" xmlns="" id="{786DE25D-BE24-49E7-89FA-11A77988E73A}"/>
+                <a16:creationId xmlns:a16="http://schemas.microsoft.com/office/drawing/2014/main" id="{786DE25D-BE24-49E7-89FA-11A77988E73A}"/>
               </a:ext>
             </a:extLst>
           </p:cNvPr>
@@ -6279,7 +6175,7 @@
           <a:p>
             <a:fld id="{B9FBDE76-6422-4000-9109-4A796E9FC590}" type="datetimeFigureOut">
               <a:rPr lang="ko-KR" altLang="en-US" smtClean="0"/>
-              <a:t>2018-03-26</a:t>
+              <a:t>2018-03-28</a:t>
             </a:fld>
             <a:endParaRPr lang="ko-KR" altLang="en-US"/>
           </a:p>
@@ -6290,7 +6186,7 @@
           <p:cNvPr id="3" name="바닥글 개체 틀 2">
             <a:extLst>
               <a:ext uri="{FF2B5EF4-FFF2-40B4-BE49-F238E27FC236}">
-                <a16:creationId xmlns:a16="http://schemas.microsoft.com/office/drawing/2014/main" xmlns="" id="{6870ADAF-FEE3-411D-935F-2F22729C0835}"/>
+                <a16:creationId xmlns:a16="http://schemas.microsoft.com/office/drawing/2014/main" id="{6870ADAF-FEE3-411D-935F-2F22729C0835}"/>
               </a:ext>
             </a:extLst>
           </p:cNvPr>
@@ -6315,7 +6211,7 @@
           <p:cNvPr id="4" name="슬라이드 번호 개체 틀 3">
             <a:extLst>
               <a:ext uri="{FF2B5EF4-FFF2-40B4-BE49-F238E27FC236}">
-                <a16:creationId xmlns:a16="http://schemas.microsoft.com/office/drawing/2014/main" xmlns="" id="{496AAB58-1473-40C1-89B0-F0569455D5C4}"/>
+                <a16:creationId xmlns:a16="http://schemas.microsoft.com/office/drawing/2014/main" id="{496AAB58-1473-40C1-89B0-F0569455D5C4}"/>
               </a:ext>
             </a:extLst>
           </p:cNvPr>
@@ -6382,7 +6278,7 @@
           <p:cNvPr id="2" name="제목 1">
             <a:extLst>
               <a:ext uri="{FF2B5EF4-FFF2-40B4-BE49-F238E27FC236}">
-                <a16:creationId xmlns:a16="http://schemas.microsoft.com/office/drawing/2014/main" xmlns="" id="{FFA5CF6E-CE2D-4335-99A3-462A091B8C44}"/>
+                <a16:creationId xmlns:a16="http://schemas.microsoft.com/office/drawing/2014/main" id="{FFA5CF6E-CE2D-4335-99A3-462A091B8C44}"/>
               </a:ext>
             </a:extLst>
           </p:cNvPr>
@@ -6419,7 +6315,7 @@
           <p:cNvPr id="3" name="내용 개체 틀 2">
             <a:extLst>
               <a:ext uri="{FF2B5EF4-FFF2-40B4-BE49-F238E27FC236}">
-                <a16:creationId xmlns:a16="http://schemas.microsoft.com/office/drawing/2014/main" xmlns="" id="{B3C71C7B-12D8-4E44-BBCE-3EC84B85B7AB}"/>
+                <a16:creationId xmlns:a16="http://schemas.microsoft.com/office/drawing/2014/main" id="{B3C71C7B-12D8-4E44-BBCE-3EC84B85B7AB}"/>
               </a:ext>
             </a:extLst>
           </p:cNvPr>
@@ -6509,7 +6405,7 @@
           <p:cNvPr id="4" name="텍스트 개체 틀 3">
             <a:extLst>
               <a:ext uri="{FF2B5EF4-FFF2-40B4-BE49-F238E27FC236}">
-                <a16:creationId xmlns:a16="http://schemas.microsoft.com/office/drawing/2014/main" xmlns="" id="{AB16C083-3DE9-4B1C-A1FE-1ECE45DDD98D}"/>
+                <a16:creationId xmlns:a16="http://schemas.microsoft.com/office/drawing/2014/main" id="{AB16C083-3DE9-4B1C-A1FE-1ECE45DDD98D}"/>
               </a:ext>
             </a:extLst>
           </p:cNvPr>
@@ -6580,7 +6476,7 @@
           <p:cNvPr id="5" name="날짜 개체 틀 4">
             <a:extLst>
               <a:ext uri="{FF2B5EF4-FFF2-40B4-BE49-F238E27FC236}">
-                <a16:creationId xmlns:a16="http://schemas.microsoft.com/office/drawing/2014/main" xmlns="" id="{FFDC821A-45EF-4F11-858E-6D8155CACF38}"/>
+                <a16:creationId xmlns:a16="http://schemas.microsoft.com/office/drawing/2014/main" id="{FFDC821A-45EF-4F11-858E-6D8155CACF38}"/>
               </a:ext>
             </a:extLst>
           </p:cNvPr>
@@ -6598,7 +6494,7 @@
           <a:p>
             <a:fld id="{B9FBDE76-6422-4000-9109-4A796E9FC590}" type="datetimeFigureOut">
               <a:rPr lang="ko-KR" altLang="en-US" smtClean="0"/>
-              <a:t>2018-03-26</a:t>
+              <a:t>2018-03-28</a:t>
             </a:fld>
             <a:endParaRPr lang="ko-KR" altLang="en-US"/>
           </a:p>
@@ -6609,7 +6505,7 @@
           <p:cNvPr id="6" name="바닥글 개체 틀 5">
             <a:extLst>
               <a:ext uri="{FF2B5EF4-FFF2-40B4-BE49-F238E27FC236}">
-                <a16:creationId xmlns:a16="http://schemas.microsoft.com/office/drawing/2014/main" xmlns="" id="{60FB12D4-DDF4-4213-8782-376984460970}"/>
+                <a16:creationId xmlns:a16="http://schemas.microsoft.com/office/drawing/2014/main" id="{60FB12D4-DDF4-4213-8782-376984460970}"/>
               </a:ext>
             </a:extLst>
           </p:cNvPr>
@@ -6634,7 +6530,7 @@
           <p:cNvPr id="7" name="슬라이드 번호 개체 틀 6">
             <a:extLst>
               <a:ext uri="{FF2B5EF4-FFF2-40B4-BE49-F238E27FC236}">
-                <a16:creationId xmlns:a16="http://schemas.microsoft.com/office/drawing/2014/main" xmlns="" id="{12A149F4-3D08-4B6F-A1AA-65B866B5E127}"/>
+                <a16:creationId xmlns:a16="http://schemas.microsoft.com/office/drawing/2014/main" id="{12A149F4-3D08-4B6F-A1AA-65B866B5E127}"/>
               </a:ext>
             </a:extLst>
           </p:cNvPr>
@@ -6701,7 +6597,7 @@
           <p:cNvPr id="2" name="제목 1">
             <a:extLst>
               <a:ext uri="{FF2B5EF4-FFF2-40B4-BE49-F238E27FC236}">
-                <a16:creationId xmlns:a16="http://schemas.microsoft.com/office/drawing/2014/main" xmlns="" id="{2C4380B2-7F1B-45B9-9B14-3701EC9CED80}"/>
+                <a16:creationId xmlns:a16="http://schemas.microsoft.com/office/drawing/2014/main" id="{2C4380B2-7F1B-45B9-9B14-3701EC9CED80}"/>
               </a:ext>
             </a:extLst>
           </p:cNvPr>
@@ -6738,7 +6634,7 @@
           <p:cNvPr id="3" name="그림 개체 틀 2">
             <a:extLst>
               <a:ext uri="{FF2B5EF4-FFF2-40B4-BE49-F238E27FC236}">
-                <a16:creationId xmlns:a16="http://schemas.microsoft.com/office/drawing/2014/main" xmlns="" id="{256B5E3D-AC4E-426D-9CC2-D30B533A4C2A}"/>
+                <a16:creationId xmlns:a16="http://schemas.microsoft.com/office/drawing/2014/main" id="{256B5E3D-AC4E-426D-9CC2-D30B533A4C2A}"/>
               </a:ext>
             </a:extLst>
           </p:cNvPr>
@@ -6808,7 +6704,7 @@
           <p:cNvPr id="4" name="텍스트 개체 틀 3">
             <a:extLst>
               <a:ext uri="{FF2B5EF4-FFF2-40B4-BE49-F238E27FC236}">
-                <a16:creationId xmlns:a16="http://schemas.microsoft.com/office/drawing/2014/main" xmlns="" id="{5F3B419E-BDB6-4358-AF68-227F4E07EFEC}"/>
+                <a16:creationId xmlns:a16="http://schemas.microsoft.com/office/drawing/2014/main" id="{5F3B419E-BDB6-4358-AF68-227F4E07EFEC}"/>
               </a:ext>
             </a:extLst>
           </p:cNvPr>
@@ -6879,7 +6775,7 @@
           <p:cNvPr id="5" name="날짜 개체 틀 4">
             <a:extLst>
               <a:ext uri="{FF2B5EF4-FFF2-40B4-BE49-F238E27FC236}">
-                <a16:creationId xmlns:a16="http://schemas.microsoft.com/office/drawing/2014/main" xmlns="" id="{21FA1616-3877-4908-824C-5035916D8199}"/>
+                <a16:creationId xmlns:a16="http://schemas.microsoft.com/office/drawing/2014/main" id="{21FA1616-3877-4908-824C-5035916D8199}"/>
               </a:ext>
             </a:extLst>
           </p:cNvPr>
@@ -6897,7 +6793,7 @@
           <a:p>
             <a:fld id="{B9FBDE76-6422-4000-9109-4A796E9FC590}" type="datetimeFigureOut">
               <a:rPr lang="ko-KR" altLang="en-US" smtClean="0"/>
-              <a:t>2018-03-26</a:t>
+              <a:t>2018-03-28</a:t>
             </a:fld>
             <a:endParaRPr lang="ko-KR" altLang="en-US"/>
           </a:p>
@@ -6908,7 +6804,7 @@
           <p:cNvPr id="6" name="바닥글 개체 틀 5">
             <a:extLst>
               <a:ext uri="{FF2B5EF4-FFF2-40B4-BE49-F238E27FC236}">
-                <a16:creationId xmlns:a16="http://schemas.microsoft.com/office/drawing/2014/main" xmlns="" id="{AC526EC3-366F-4C4F-8ED3-02A6A426F088}"/>
+                <a16:creationId xmlns:a16="http://schemas.microsoft.com/office/drawing/2014/main" id="{AC526EC3-366F-4C4F-8ED3-02A6A426F088}"/>
               </a:ext>
             </a:extLst>
           </p:cNvPr>
@@ -6933,7 +6829,7 @@
           <p:cNvPr id="7" name="슬라이드 번호 개체 틀 6">
             <a:extLst>
               <a:ext uri="{FF2B5EF4-FFF2-40B4-BE49-F238E27FC236}">
-                <a16:creationId xmlns:a16="http://schemas.microsoft.com/office/drawing/2014/main" xmlns="" id="{48A103D8-75BE-4895-8FF2-F74E9021320D}"/>
+                <a16:creationId xmlns:a16="http://schemas.microsoft.com/office/drawing/2014/main" id="{48A103D8-75BE-4895-8FF2-F74E9021320D}"/>
               </a:ext>
             </a:extLst>
           </p:cNvPr>
@@ -7005,7 +6901,7 @@
           <p:cNvPr id="21" name="평행 사변형 20">
             <a:extLst>
               <a:ext uri="{FF2B5EF4-FFF2-40B4-BE49-F238E27FC236}">
-                <a16:creationId xmlns:a16="http://schemas.microsoft.com/office/drawing/2014/main" xmlns="" id="{EDA5776A-5158-4CC6-9C2E-43755EFFA3B0}"/>
+                <a16:creationId xmlns:a16="http://schemas.microsoft.com/office/drawing/2014/main" id="{EDA5776A-5158-4CC6-9C2E-43755EFFA3B0}"/>
               </a:ext>
             </a:extLst>
           </p:cNvPr>
@@ -7059,7 +6955,7 @@
           <p:cNvPr id="22" name="평행 사변형 21">
             <a:extLst>
               <a:ext uri="{FF2B5EF4-FFF2-40B4-BE49-F238E27FC236}">
-                <a16:creationId xmlns:a16="http://schemas.microsoft.com/office/drawing/2014/main" xmlns="" id="{4CD42464-2CA8-44FC-9FD7-E4DEAB53FA0D}"/>
+                <a16:creationId xmlns:a16="http://schemas.microsoft.com/office/drawing/2014/main" id="{4CD42464-2CA8-44FC-9FD7-E4DEAB53FA0D}"/>
               </a:ext>
             </a:extLst>
           </p:cNvPr>
@@ -7113,7 +7009,7 @@
           <p:cNvPr id="17" name="평행 사변형 16">
             <a:extLst>
               <a:ext uri="{FF2B5EF4-FFF2-40B4-BE49-F238E27FC236}">
-                <a16:creationId xmlns:a16="http://schemas.microsoft.com/office/drawing/2014/main" xmlns="" id="{B96A5CCC-EC9E-4A80-9F5D-19B8A858D7EB}"/>
+                <a16:creationId xmlns:a16="http://schemas.microsoft.com/office/drawing/2014/main" id="{B96A5CCC-EC9E-4A80-9F5D-19B8A858D7EB}"/>
               </a:ext>
             </a:extLst>
           </p:cNvPr>
@@ -7167,7 +7063,7 @@
           <p:cNvPr id="3" name="텍스트 개체 틀 2">
             <a:extLst>
               <a:ext uri="{FF2B5EF4-FFF2-40B4-BE49-F238E27FC236}">
-                <a16:creationId xmlns:a16="http://schemas.microsoft.com/office/drawing/2014/main" xmlns="" id="{6EFCE826-C1DF-49B9-A61B-40E9153E2F93}"/>
+                <a16:creationId xmlns:a16="http://schemas.microsoft.com/office/drawing/2014/main" id="{6EFCE826-C1DF-49B9-A61B-40E9153E2F93}"/>
               </a:ext>
             </a:extLst>
           </p:cNvPr>
@@ -7234,7 +7130,7 @@
           <p:cNvPr id="4" name="날짜 개체 틀 3">
             <a:extLst>
               <a:ext uri="{FF2B5EF4-FFF2-40B4-BE49-F238E27FC236}">
-                <a16:creationId xmlns:a16="http://schemas.microsoft.com/office/drawing/2014/main" xmlns="" id="{A47C327D-DD7B-468C-8301-77AE135BFE97}"/>
+                <a16:creationId xmlns:a16="http://schemas.microsoft.com/office/drawing/2014/main" id="{A47C327D-DD7B-468C-8301-77AE135BFE97}"/>
               </a:ext>
             </a:extLst>
           </p:cNvPr>
@@ -7270,7 +7166,7 @@
           <a:p>
             <a:fld id="{B9FBDE76-6422-4000-9109-4A796E9FC590}" type="datetimeFigureOut">
               <a:rPr lang="ko-KR" altLang="en-US" smtClean="0"/>
-              <a:t>2018-03-26</a:t>
+              <a:t>2018-03-28</a:t>
             </a:fld>
             <a:endParaRPr lang="ko-KR" altLang="en-US"/>
           </a:p>
@@ -7281,7 +7177,7 @@
           <p:cNvPr id="5" name="바닥글 개체 틀 4">
             <a:extLst>
               <a:ext uri="{FF2B5EF4-FFF2-40B4-BE49-F238E27FC236}">
-                <a16:creationId xmlns:a16="http://schemas.microsoft.com/office/drawing/2014/main" xmlns="" id="{0DB15C64-F2A3-4988-BE09-4B04B2533F87}"/>
+                <a16:creationId xmlns:a16="http://schemas.microsoft.com/office/drawing/2014/main" id="{0DB15C64-F2A3-4988-BE09-4B04B2533F87}"/>
               </a:ext>
             </a:extLst>
           </p:cNvPr>
@@ -7324,7 +7220,7 @@
           <p:cNvPr id="6" name="슬라이드 번호 개체 틀 5">
             <a:extLst>
               <a:ext uri="{FF2B5EF4-FFF2-40B4-BE49-F238E27FC236}">
-                <a16:creationId xmlns:a16="http://schemas.microsoft.com/office/drawing/2014/main" xmlns="" id="{F46F8DDE-6560-4530-B57B-FBBC945D3AEF}"/>
+                <a16:creationId xmlns:a16="http://schemas.microsoft.com/office/drawing/2014/main" id="{F46F8DDE-6560-4530-B57B-FBBC945D3AEF}"/>
               </a:ext>
             </a:extLst>
           </p:cNvPr>
@@ -7369,7 +7265,7 @@
           <p:cNvPr id="8" name="자유형 7">
             <a:extLst>
               <a:ext uri="{FF2B5EF4-FFF2-40B4-BE49-F238E27FC236}">
-                <a16:creationId xmlns:a16="http://schemas.microsoft.com/office/drawing/2014/main" xmlns="" id="{C37C44E6-F9A7-480F-8AD0-6C6D428BC2BB}"/>
+                <a16:creationId xmlns:a16="http://schemas.microsoft.com/office/drawing/2014/main" id="{C37C44E6-F9A7-480F-8AD0-6C6D428BC2BB}"/>
               </a:ext>
             </a:extLst>
           </p:cNvPr>
@@ -7522,7 +7418,7 @@
           <p:cNvPr id="2" name="제목 개체 틀 1">
             <a:extLst>
               <a:ext uri="{FF2B5EF4-FFF2-40B4-BE49-F238E27FC236}">
-                <a16:creationId xmlns:a16="http://schemas.microsoft.com/office/drawing/2014/main" xmlns="" id="{F799D7F9-E65D-4F4B-9C0C-531676314792}"/>
+                <a16:creationId xmlns:a16="http://schemas.microsoft.com/office/drawing/2014/main" id="{F799D7F9-E65D-4F4B-9C0C-531676314792}"/>
               </a:ext>
             </a:extLst>
           </p:cNvPr>
@@ -8011,7 +7907,7 @@
           <a:p>
             <a:fld id="{B9FBDE76-6422-4000-9109-4A796E9FC590}" type="datetimeFigureOut">
               <a:rPr lang="ko-KR" altLang="en-US" smtClean="0"/>
-              <a:t>2018-03-26</a:t>
+              <a:t>2018-03-28</a:t>
             </a:fld>
             <a:endParaRPr lang="ko-KR" altLang="en-US"/>
           </a:p>
@@ -8429,7 +8325,7 @@
           <p:cNvPr id="28" name="Rectangle 7">
             <a:extLst>
               <a:ext uri="{FF2B5EF4-FFF2-40B4-BE49-F238E27FC236}">
-                <a16:creationId xmlns:a16="http://schemas.microsoft.com/office/drawing/2014/main" xmlns="" id="{559AE206-7EBA-4D33-8BC9-9D8158553F0E}"/>
+                <a16:creationId xmlns:a16="http://schemas.microsoft.com/office/drawing/2014/main" id="{559AE206-7EBA-4D33-8BC9-9D8158553F0E}"/>
               </a:ext>
             </a:extLst>
           </p:cNvPr>
@@ -8439,7 +8335,7 @@
           <p:nvPr>
             <p:extLst>
               <p:ext uri="{386F3935-93C4-4BCD-93E2-E3B085C9AB24}">
-                <p16:designElem xmlns:p16="http://schemas.microsoft.com/office/powerpoint/2015/main" xmlns="" val="1"/>
+                <p16:designElem xmlns:p16="http://schemas.microsoft.com/office/powerpoint/2015/main" val="1"/>
               </p:ext>
             </p:extLst>
           </p:nvPr>
@@ -8515,7 +8411,7 @@
           <p:cNvPr id="29" name="Straight Connector 9">
             <a:extLst>
               <a:ext uri="{FF2B5EF4-FFF2-40B4-BE49-F238E27FC236}">
-                <a16:creationId xmlns:a16="http://schemas.microsoft.com/office/drawing/2014/main" xmlns="" id="{9E8E38ED-369A-44C2-B635-0BED0E48A6E8}"/>
+                <a16:creationId xmlns:a16="http://schemas.microsoft.com/office/drawing/2014/main" id="{9E8E38ED-369A-44C2-B635-0BED0E48A6E8}"/>
               </a:ext>
             </a:extLst>
           </p:cNvPr>
@@ -8525,7 +8421,7 @@
           <p:nvPr>
             <p:extLst>
               <p:ext uri="{386F3935-93C4-4BCD-93E2-E3B085C9AB24}">
-                <p16:designElem xmlns:p16="http://schemas.microsoft.com/office/powerpoint/2015/main" xmlns="" val="1"/>
+                <p16:designElem xmlns:p16="http://schemas.microsoft.com/office/powerpoint/2015/main" val="1"/>
               </p:ext>
             </p:extLst>
           </p:nvPr>
@@ -8564,7 +8460,7 @@
           <p:cNvPr id="30" name="Oval 11">
             <a:extLst>
               <a:ext uri="{FF2B5EF4-FFF2-40B4-BE49-F238E27FC236}">
-                <a16:creationId xmlns:a16="http://schemas.microsoft.com/office/drawing/2014/main" xmlns="" id="{B672F332-AF08-46C6-94F0-77684310D7B7}"/>
+                <a16:creationId xmlns:a16="http://schemas.microsoft.com/office/drawing/2014/main" id="{B672F332-AF08-46C6-94F0-77684310D7B7}"/>
               </a:ext>
             </a:extLst>
           </p:cNvPr>
@@ -8574,7 +8470,7 @@
           <p:nvPr>
             <p:extLst>
               <p:ext uri="{386F3935-93C4-4BCD-93E2-E3B085C9AB24}">
-                <p16:designElem xmlns:p16="http://schemas.microsoft.com/office/powerpoint/2015/main" xmlns="" val="1"/>
+                <p16:designElem xmlns:p16="http://schemas.microsoft.com/office/powerpoint/2015/main" val="1"/>
               </p:ext>
             </p:extLst>
           </p:nvPr>
@@ -8653,7 +8549,7 @@
           <p:cNvPr id="31" name="Oval 13">
             <a:extLst>
               <a:ext uri="{FF2B5EF4-FFF2-40B4-BE49-F238E27FC236}">
-                <a16:creationId xmlns:a16="http://schemas.microsoft.com/office/drawing/2014/main" xmlns="" id="{34244EF8-D73A-40E1-BE73-D46E6B4B04ED}"/>
+                <a16:creationId xmlns:a16="http://schemas.microsoft.com/office/drawing/2014/main" id="{34244EF8-D73A-40E1-BE73-D46E6B4B04ED}"/>
               </a:ext>
             </a:extLst>
           </p:cNvPr>
@@ -8663,7 +8559,7 @@
           <p:nvPr>
             <p:extLst>
               <p:ext uri="{386F3935-93C4-4BCD-93E2-E3B085C9AB24}">
-                <p16:designElem xmlns:p16="http://schemas.microsoft.com/office/powerpoint/2015/main" xmlns="" val="1"/>
+                <p16:designElem xmlns:p16="http://schemas.microsoft.com/office/powerpoint/2015/main" val="1"/>
               </p:ext>
             </p:extLst>
           </p:nvPr>
@@ -8742,7 +8638,7 @@
           <p:cNvPr id="32" name="Freeform: Shape 15">
             <a:extLst>
               <a:ext uri="{FF2B5EF4-FFF2-40B4-BE49-F238E27FC236}">
-                <a16:creationId xmlns:a16="http://schemas.microsoft.com/office/drawing/2014/main" xmlns="" id="{AB84D7E8-4ECB-42D7-ADBF-01689B0F24AE}"/>
+                <a16:creationId xmlns:a16="http://schemas.microsoft.com/office/drawing/2014/main" id="{AB84D7E8-4ECB-42D7-ADBF-01689B0F24AE}"/>
               </a:ext>
             </a:extLst>
           </p:cNvPr>
@@ -8752,7 +8648,7 @@
           <p:nvPr>
             <p:extLst>
               <p:ext uri="{386F3935-93C4-4BCD-93E2-E3B085C9AB24}">
-                <p16:designElem xmlns:p16="http://schemas.microsoft.com/office/powerpoint/2015/main" xmlns="" val="1"/>
+                <p16:designElem xmlns:p16="http://schemas.microsoft.com/office/powerpoint/2015/main" val="1"/>
               </p:ext>
             </p:extLst>
           </p:nvPr>
@@ -8897,7 +8793,7 @@
           <p:cNvPr id="33" name="Oval 17">
             <a:extLst>
               <a:ext uri="{FF2B5EF4-FFF2-40B4-BE49-F238E27FC236}">
-                <a16:creationId xmlns:a16="http://schemas.microsoft.com/office/drawing/2014/main" xmlns="" id="{6437D937-A7F1-4011-92B4-328E5BE1B166}"/>
+                <a16:creationId xmlns:a16="http://schemas.microsoft.com/office/drawing/2014/main" id="{6437D937-A7F1-4011-92B4-328E5BE1B166}"/>
               </a:ext>
             </a:extLst>
           </p:cNvPr>
@@ -8907,7 +8803,7 @@
           <p:nvPr>
             <p:extLst>
               <p:ext uri="{386F3935-93C4-4BCD-93E2-E3B085C9AB24}">
-                <p16:designElem xmlns:p16="http://schemas.microsoft.com/office/powerpoint/2015/main" xmlns="" val="1"/>
+                <p16:designElem xmlns:p16="http://schemas.microsoft.com/office/powerpoint/2015/main" val="1"/>
               </p:ext>
             </p:extLst>
           </p:nvPr>
@@ -8986,7 +8882,7 @@
           <p:cNvPr id="2" name="제목 1">
             <a:extLst>
               <a:ext uri="{FF2B5EF4-FFF2-40B4-BE49-F238E27FC236}">
-                <a16:creationId xmlns:a16="http://schemas.microsoft.com/office/drawing/2014/main" xmlns="" id="{22BCB3AA-25E9-478F-9A5D-450400B93530}"/>
+                <a16:creationId xmlns:a16="http://schemas.microsoft.com/office/drawing/2014/main" id="{22BCB3AA-25E9-478F-9A5D-450400B93530}"/>
               </a:ext>
             </a:extLst>
           </p:cNvPr>
@@ -9017,14 +8913,6 @@
                 </a:solidFill>
               </a:rPr>
               <a:t>특정 소리로 스위치 조작</a:t>
-            </a:r>
-            <a:r>
-              <a:rPr lang="en-US" altLang="ko-KR" sz="3600" dirty="0">
-                <a:solidFill>
-                  <a:prstClr val="black"/>
-                </a:solidFill>
-              </a:rPr>
-              <a:t/>
             </a:r>
             <a:br>
               <a:rPr lang="en-US" altLang="ko-KR" sz="3600" dirty="0">
@@ -9050,7 +8938,7 @@
           <p:cNvPr id="3" name="부제목 2">
             <a:extLst>
               <a:ext uri="{FF2B5EF4-FFF2-40B4-BE49-F238E27FC236}">
-                <a16:creationId xmlns:a16="http://schemas.microsoft.com/office/drawing/2014/main" xmlns="" id="{760F37D4-A0C2-4833-9AD3-C5046A27D0A9}"/>
+                <a16:creationId xmlns:a16="http://schemas.microsoft.com/office/drawing/2014/main" id="{760F37D4-A0C2-4833-9AD3-C5046A27D0A9}"/>
               </a:ext>
             </a:extLst>
           </p:cNvPr>
@@ -9137,7 +9025,7 @@
           <p:cNvPr id="8" name="내용 개체 틀 7">
             <a:extLst>
               <a:ext uri="{FF2B5EF4-FFF2-40B4-BE49-F238E27FC236}">
-                <a16:creationId xmlns:a16="http://schemas.microsoft.com/office/drawing/2014/main" xmlns="" id="{9355220A-9D21-406D-8219-F3AB8AE6BD9B}"/>
+                <a16:creationId xmlns:a16="http://schemas.microsoft.com/office/drawing/2014/main" id="{9355220A-9D21-406D-8219-F3AB8AE6BD9B}"/>
               </a:ext>
             </a:extLst>
           </p:cNvPr>
@@ -9169,7 +9057,7 @@
           <p:cNvPr id="2" name="제목 1">
             <a:extLst>
               <a:ext uri="{FF2B5EF4-FFF2-40B4-BE49-F238E27FC236}">
-                <a16:creationId xmlns:a16="http://schemas.microsoft.com/office/drawing/2014/main" xmlns="" id="{7CF7C95B-DA88-4301-A2B1-B791D304359A}"/>
+                <a16:creationId xmlns:a16="http://schemas.microsoft.com/office/drawing/2014/main" id="{7CF7C95B-DA88-4301-A2B1-B791D304359A}"/>
               </a:ext>
             </a:extLst>
           </p:cNvPr>
@@ -9207,7 +9095,7 @@
           <p:cNvPr id="11" name="TextBox 10">
             <a:extLst>
               <a:ext uri="{FF2B5EF4-FFF2-40B4-BE49-F238E27FC236}">
-                <a16:creationId xmlns:a16="http://schemas.microsoft.com/office/drawing/2014/main" xmlns="" id="{3E1D2525-0160-4402-8B0A-1D0154B6DBED}"/>
+                <a16:creationId xmlns:a16="http://schemas.microsoft.com/office/drawing/2014/main" id="{3E1D2525-0160-4402-8B0A-1D0154B6DBED}"/>
               </a:ext>
             </a:extLst>
           </p:cNvPr>
@@ -9247,7 +9135,7 @@
           <p:cNvPr id="3" name="직사각형 2">
             <a:extLst>
               <a:ext uri="{FF2B5EF4-FFF2-40B4-BE49-F238E27FC236}">
-                <a16:creationId xmlns:a16="http://schemas.microsoft.com/office/drawing/2014/main" xmlns="" id="{7257F011-356E-4C06-B979-A66EC4B2DBC5}"/>
+                <a16:creationId xmlns:a16="http://schemas.microsoft.com/office/drawing/2014/main" id="{7257F011-356E-4C06-B979-A66EC4B2DBC5}"/>
               </a:ext>
             </a:extLst>
           </p:cNvPr>
@@ -9299,7 +9187,7 @@
           <p:cNvPr id="4" name="TextBox 3">
             <a:extLst>
               <a:ext uri="{FF2B5EF4-FFF2-40B4-BE49-F238E27FC236}">
-                <a16:creationId xmlns:a16="http://schemas.microsoft.com/office/drawing/2014/main" xmlns="" id="{52ADB04C-25CC-4F3B-9716-36E68AF5BC3D}"/>
+                <a16:creationId xmlns:a16="http://schemas.microsoft.com/office/drawing/2014/main" id="{52ADB04C-25CC-4F3B-9716-36E68AF5BC3D}"/>
               </a:ext>
             </a:extLst>
           </p:cNvPr>
@@ -9392,7 +9280,7 @@
           <p:cNvPr id="5" name="그림 4">
             <a:extLst>
               <a:ext uri="{FF2B5EF4-FFF2-40B4-BE49-F238E27FC236}">
-                <a16:creationId xmlns:a16="http://schemas.microsoft.com/office/drawing/2014/main" xmlns="" id="{CE87E9EC-D5B5-4D4D-8C80-9BD7273141FA}"/>
+                <a16:creationId xmlns:a16="http://schemas.microsoft.com/office/drawing/2014/main" id="{CE87E9EC-D5B5-4D4D-8C80-9BD7273141FA}"/>
               </a:ext>
             </a:extLst>
           </p:cNvPr>
@@ -9460,7 +9348,7 @@
           <p:cNvPr id="7" name="내용 개체 틀 6">
             <a:extLst>
               <a:ext uri="{FF2B5EF4-FFF2-40B4-BE49-F238E27FC236}">
-                <a16:creationId xmlns:a16="http://schemas.microsoft.com/office/drawing/2014/main" xmlns="" id="{E067D4A9-F279-43A1-8D68-2234623CD165}"/>
+                <a16:creationId xmlns:a16="http://schemas.microsoft.com/office/drawing/2014/main" id="{E067D4A9-F279-43A1-8D68-2234623CD165}"/>
               </a:ext>
             </a:extLst>
           </p:cNvPr>
@@ -9492,7 +9380,7 @@
           <p:cNvPr id="2" name="제목 1">
             <a:extLst>
               <a:ext uri="{FF2B5EF4-FFF2-40B4-BE49-F238E27FC236}">
-                <a16:creationId xmlns:a16="http://schemas.microsoft.com/office/drawing/2014/main" xmlns="" id="{7CF7C95B-DA88-4301-A2B1-B791D304359A}"/>
+                <a16:creationId xmlns:a16="http://schemas.microsoft.com/office/drawing/2014/main" id="{7CF7C95B-DA88-4301-A2B1-B791D304359A}"/>
               </a:ext>
             </a:extLst>
           </p:cNvPr>
@@ -9530,7 +9418,7 @@
           <p:cNvPr id="11" name="TextBox 10">
             <a:extLst>
               <a:ext uri="{FF2B5EF4-FFF2-40B4-BE49-F238E27FC236}">
-                <a16:creationId xmlns:a16="http://schemas.microsoft.com/office/drawing/2014/main" xmlns="" id="{3E1D2525-0160-4402-8B0A-1D0154B6DBED}"/>
+                <a16:creationId xmlns:a16="http://schemas.microsoft.com/office/drawing/2014/main" id="{3E1D2525-0160-4402-8B0A-1D0154B6DBED}"/>
               </a:ext>
             </a:extLst>
           </p:cNvPr>
@@ -9570,7 +9458,7 @@
           <p:cNvPr id="3" name="직사각형 2">
             <a:extLst>
               <a:ext uri="{FF2B5EF4-FFF2-40B4-BE49-F238E27FC236}">
-                <a16:creationId xmlns:a16="http://schemas.microsoft.com/office/drawing/2014/main" xmlns="" id="{7257F011-356E-4C06-B979-A66EC4B2DBC5}"/>
+                <a16:creationId xmlns:a16="http://schemas.microsoft.com/office/drawing/2014/main" id="{7257F011-356E-4C06-B979-A66EC4B2DBC5}"/>
               </a:ext>
             </a:extLst>
           </p:cNvPr>
@@ -9623,7 +9511,7 @@
           <p:cNvPr id="4" name="TextBox 3">
             <a:extLst>
               <a:ext uri="{FF2B5EF4-FFF2-40B4-BE49-F238E27FC236}">
-                <a16:creationId xmlns:a16="http://schemas.microsoft.com/office/drawing/2014/main" xmlns="" id="{52ADB04C-25CC-4F3B-9716-36E68AF5BC3D}"/>
+                <a16:creationId xmlns:a16="http://schemas.microsoft.com/office/drawing/2014/main" id="{52ADB04C-25CC-4F3B-9716-36E68AF5BC3D}"/>
               </a:ext>
             </a:extLst>
           </p:cNvPr>
@@ -9733,7 +9621,7 @@
           <p:cNvPr id="2" name="제목 1">
             <a:extLst>
               <a:ext uri="{FF2B5EF4-FFF2-40B4-BE49-F238E27FC236}">
-                <a16:creationId xmlns:a16="http://schemas.microsoft.com/office/drawing/2014/main" xmlns="" id="{7CF7C95B-DA88-4301-A2B1-B791D304359A}"/>
+                <a16:creationId xmlns:a16="http://schemas.microsoft.com/office/drawing/2014/main" id="{7CF7C95B-DA88-4301-A2B1-B791D304359A}"/>
               </a:ext>
             </a:extLst>
           </p:cNvPr>
@@ -9775,7 +9663,7 @@
           <p:cNvPr id="8" name="내용 개체 틀 7">
             <a:extLst>
               <a:ext uri="{FF2B5EF4-FFF2-40B4-BE49-F238E27FC236}">
-                <a16:creationId xmlns:a16="http://schemas.microsoft.com/office/drawing/2014/main" xmlns="" id="{AAEC6193-3C9F-407A-9A63-0F3B167C126F}"/>
+                <a16:creationId xmlns:a16="http://schemas.microsoft.com/office/drawing/2014/main" id="{AAEC6193-3C9F-407A-9A63-0F3B167C126F}"/>
               </a:ext>
             </a:extLst>
           </p:cNvPr>
@@ -9870,7 +9758,7 @@
           <p:cNvPr id="12" name="내용 개체 틀 4">
             <a:extLst>
               <a:ext uri="{FF2B5EF4-FFF2-40B4-BE49-F238E27FC236}">
-                <a16:creationId xmlns:a16="http://schemas.microsoft.com/office/drawing/2014/main" xmlns="" id="{8B7014BA-9363-4097-A69F-A4C63B7C8EE4}"/>
+                <a16:creationId xmlns:a16="http://schemas.microsoft.com/office/drawing/2014/main" id="{8B7014BA-9363-4097-A69F-A4C63B7C8EE4}"/>
               </a:ext>
             </a:extLst>
           </p:cNvPr>
@@ -9902,7 +9790,7 @@
           <p:cNvPr id="13" name="TextBox 12">
             <a:extLst>
               <a:ext uri="{FF2B5EF4-FFF2-40B4-BE49-F238E27FC236}">
-                <a16:creationId xmlns:a16="http://schemas.microsoft.com/office/drawing/2014/main" xmlns="" id="{0146DEDB-26A2-4633-A03F-069AE4FDEC6E}"/>
+                <a16:creationId xmlns:a16="http://schemas.microsoft.com/office/drawing/2014/main" id="{0146DEDB-26A2-4633-A03F-069AE4FDEC6E}"/>
               </a:ext>
             </a:extLst>
           </p:cNvPr>
@@ -9980,7 +9868,7 @@
           <p:cNvPr id="2" name="제목 1">
             <a:extLst>
               <a:ext uri="{FF2B5EF4-FFF2-40B4-BE49-F238E27FC236}">
-                <a16:creationId xmlns:a16="http://schemas.microsoft.com/office/drawing/2014/main" xmlns="" id="{7CF7C95B-DA88-4301-A2B1-B791D304359A}"/>
+                <a16:creationId xmlns:a16="http://schemas.microsoft.com/office/drawing/2014/main" id="{7CF7C95B-DA88-4301-A2B1-B791D304359A}"/>
               </a:ext>
             </a:extLst>
           </p:cNvPr>
@@ -10022,7 +9910,7 @@
           <p:cNvPr id="8" name="내용 개체 틀 7">
             <a:extLst>
               <a:ext uri="{FF2B5EF4-FFF2-40B4-BE49-F238E27FC236}">
-                <a16:creationId xmlns:a16="http://schemas.microsoft.com/office/drawing/2014/main" xmlns="" id="{AAEC6193-3C9F-407A-9A63-0F3B167C126F}"/>
+                <a16:creationId xmlns:a16="http://schemas.microsoft.com/office/drawing/2014/main" id="{AAEC6193-3C9F-407A-9A63-0F3B167C126F}"/>
               </a:ext>
             </a:extLst>
           </p:cNvPr>
@@ -10117,7 +10005,7 @@
           <p:cNvPr id="12" name="내용 개체 틀 4">
             <a:extLst>
               <a:ext uri="{FF2B5EF4-FFF2-40B4-BE49-F238E27FC236}">
-                <a16:creationId xmlns:a16="http://schemas.microsoft.com/office/drawing/2014/main" xmlns="" id="{8B7014BA-9363-4097-A69F-A4C63B7C8EE4}"/>
+                <a16:creationId xmlns:a16="http://schemas.microsoft.com/office/drawing/2014/main" id="{8B7014BA-9363-4097-A69F-A4C63B7C8EE4}"/>
               </a:ext>
             </a:extLst>
           </p:cNvPr>
@@ -10149,7 +10037,7 @@
           <p:cNvPr id="13" name="TextBox 12">
             <a:extLst>
               <a:ext uri="{FF2B5EF4-FFF2-40B4-BE49-F238E27FC236}">
-                <a16:creationId xmlns:a16="http://schemas.microsoft.com/office/drawing/2014/main" xmlns="" id="{0146DEDB-26A2-4633-A03F-069AE4FDEC6E}"/>
+                <a16:creationId xmlns:a16="http://schemas.microsoft.com/office/drawing/2014/main" id="{0146DEDB-26A2-4633-A03F-069AE4FDEC6E}"/>
               </a:ext>
             </a:extLst>
           </p:cNvPr>
@@ -10197,7 +10085,7 @@
           <p:cNvPr id="6" name="직사각형 5">
             <a:extLst>
               <a:ext uri="{FF2B5EF4-FFF2-40B4-BE49-F238E27FC236}">
-                <a16:creationId xmlns:a16="http://schemas.microsoft.com/office/drawing/2014/main" xmlns="" id="{8DB9D166-A329-45AE-AE5E-289F5CF03BCD}"/>
+                <a16:creationId xmlns:a16="http://schemas.microsoft.com/office/drawing/2014/main" id="{8DB9D166-A329-45AE-AE5E-289F5CF03BCD}"/>
               </a:ext>
             </a:extLst>
           </p:cNvPr>
@@ -10250,7 +10138,7 @@
           <p:cNvPr id="7" name="TextBox 6">
             <a:extLst>
               <a:ext uri="{FF2B5EF4-FFF2-40B4-BE49-F238E27FC236}">
-                <a16:creationId xmlns:a16="http://schemas.microsoft.com/office/drawing/2014/main" xmlns="" id="{9541E9EC-C995-499D-85C8-EFFFE327B80C}"/>
+                <a16:creationId xmlns:a16="http://schemas.microsoft.com/office/drawing/2014/main" id="{9541E9EC-C995-499D-85C8-EFFFE327B80C}"/>
               </a:ext>
             </a:extLst>
           </p:cNvPr>
@@ -10308,7 +10196,7 @@
           <p:cNvPr id="9" name="직사각형 8">
             <a:extLst>
               <a:ext uri="{FF2B5EF4-FFF2-40B4-BE49-F238E27FC236}">
-                <a16:creationId xmlns:a16="http://schemas.microsoft.com/office/drawing/2014/main" xmlns="" id="{4A27CB8B-8C9B-4BEB-9B3B-4B8C3CE70DEE}"/>
+                <a16:creationId xmlns:a16="http://schemas.microsoft.com/office/drawing/2014/main" id="{4A27CB8B-8C9B-4BEB-9B3B-4B8C3CE70DEE}"/>
               </a:ext>
             </a:extLst>
           </p:cNvPr>
@@ -10391,7 +10279,7 @@
           <p:cNvPr id="2" name="제목 1">
             <a:extLst>
               <a:ext uri="{FF2B5EF4-FFF2-40B4-BE49-F238E27FC236}">
-                <a16:creationId xmlns:a16="http://schemas.microsoft.com/office/drawing/2014/main" xmlns="" id="{7CF7C95B-DA88-4301-A2B1-B791D304359A}"/>
+                <a16:creationId xmlns:a16="http://schemas.microsoft.com/office/drawing/2014/main" id="{7CF7C95B-DA88-4301-A2B1-B791D304359A}"/>
               </a:ext>
             </a:extLst>
           </p:cNvPr>
@@ -10426,7 +10314,7 @@
           <p:cNvPr id="21" name="내용 개체 틀 13">
             <a:extLst>
               <a:ext uri="{FF2B5EF4-FFF2-40B4-BE49-F238E27FC236}">
-                <a16:creationId xmlns:a16="http://schemas.microsoft.com/office/drawing/2014/main" xmlns="" id="{FDFBF36A-7983-4B5A-BFBE-350E49772DF3}"/>
+                <a16:creationId xmlns:a16="http://schemas.microsoft.com/office/drawing/2014/main" id="{FDFBF36A-7983-4B5A-BFBE-350E49772DF3}"/>
               </a:ext>
             </a:extLst>
           </p:cNvPr>
@@ -10488,7 +10376,7 @@
           <p:cNvPr id="2" name="제목 1">
             <a:extLst>
               <a:ext uri="{FF2B5EF4-FFF2-40B4-BE49-F238E27FC236}">
-                <a16:creationId xmlns:a16="http://schemas.microsoft.com/office/drawing/2014/main" xmlns="" id="{7CF7C95B-DA88-4301-A2B1-B791D304359A}"/>
+                <a16:creationId xmlns:a16="http://schemas.microsoft.com/office/drawing/2014/main" id="{7CF7C95B-DA88-4301-A2B1-B791D304359A}"/>
               </a:ext>
             </a:extLst>
           </p:cNvPr>
@@ -10523,7 +10411,7 @@
           <p:cNvPr id="21" name="내용 개체 틀 13">
             <a:extLst>
               <a:ext uri="{FF2B5EF4-FFF2-40B4-BE49-F238E27FC236}">
-                <a16:creationId xmlns:a16="http://schemas.microsoft.com/office/drawing/2014/main" xmlns="" id="{FDFBF36A-7983-4B5A-BFBE-350E49772DF3}"/>
+                <a16:creationId xmlns:a16="http://schemas.microsoft.com/office/drawing/2014/main" id="{FDFBF36A-7983-4B5A-BFBE-350E49772DF3}"/>
               </a:ext>
             </a:extLst>
           </p:cNvPr>
@@ -10555,7 +10443,7 @@
           <p:cNvPr id="4" name="직사각형 3">
             <a:extLst>
               <a:ext uri="{FF2B5EF4-FFF2-40B4-BE49-F238E27FC236}">
-                <a16:creationId xmlns:a16="http://schemas.microsoft.com/office/drawing/2014/main" xmlns="" id="{F82AD1DD-9B61-4699-B895-81BBCA90936A}"/>
+                <a16:creationId xmlns:a16="http://schemas.microsoft.com/office/drawing/2014/main" id="{F82AD1DD-9B61-4699-B895-81BBCA90936A}"/>
               </a:ext>
             </a:extLst>
           </p:cNvPr>
@@ -10607,7 +10495,7 @@
           <p:cNvPr id="5" name="TextBox 4">
             <a:extLst>
               <a:ext uri="{FF2B5EF4-FFF2-40B4-BE49-F238E27FC236}">
-                <a16:creationId xmlns:a16="http://schemas.microsoft.com/office/drawing/2014/main" xmlns="" id="{DBFB44A8-0171-44BB-AAFD-EA48257EF758}"/>
+                <a16:creationId xmlns:a16="http://schemas.microsoft.com/office/drawing/2014/main" id="{DBFB44A8-0171-44BB-AAFD-EA48257EF758}"/>
               </a:ext>
             </a:extLst>
           </p:cNvPr>
@@ -10657,7 +10545,7 @@
           <p:cNvPr id="6" name="직사각형 5">
             <a:extLst>
               <a:ext uri="{FF2B5EF4-FFF2-40B4-BE49-F238E27FC236}">
-                <a16:creationId xmlns:a16="http://schemas.microsoft.com/office/drawing/2014/main" xmlns="" id="{0929520E-1A1F-4ED6-A11D-2BA60F3DF858}"/>
+                <a16:creationId xmlns:a16="http://schemas.microsoft.com/office/drawing/2014/main" id="{0929520E-1A1F-4ED6-A11D-2BA60F3DF858}"/>
               </a:ext>
             </a:extLst>
           </p:cNvPr>
@@ -10709,7 +10597,7 @@
           <p:cNvPr id="7" name="TextBox 6">
             <a:extLst>
               <a:ext uri="{FF2B5EF4-FFF2-40B4-BE49-F238E27FC236}">
-                <a16:creationId xmlns:a16="http://schemas.microsoft.com/office/drawing/2014/main" xmlns="" id="{2A5570BD-D854-4A43-A91C-149254BCCF18}"/>
+                <a16:creationId xmlns:a16="http://schemas.microsoft.com/office/drawing/2014/main" id="{2A5570BD-D854-4A43-A91C-149254BCCF18}"/>
               </a:ext>
             </a:extLst>
           </p:cNvPr>
@@ -10793,7 +10681,7 @@
           <p:cNvPr id="2" name="제목 1">
             <a:extLst>
               <a:ext uri="{FF2B5EF4-FFF2-40B4-BE49-F238E27FC236}">
-                <a16:creationId xmlns:a16="http://schemas.microsoft.com/office/drawing/2014/main" xmlns="" id="{7CF7C95B-DA88-4301-A2B1-B791D304359A}"/>
+                <a16:creationId xmlns:a16="http://schemas.microsoft.com/office/drawing/2014/main" id="{7CF7C95B-DA88-4301-A2B1-B791D304359A}"/>
               </a:ext>
             </a:extLst>
           </p:cNvPr>
@@ -10828,7 +10716,7 @@
           <p:cNvPr id="21" name="내용 개체 틀 13">
             <a:extLst>
               <a:ext uri="{FF2B5EF4-FFF2-40B4-BE49-F238E27FC236}">
-                <a16:creationId xmlns:a16="http://schemas.microsoft.com/office/drawing/2014/main" xmlns="" id="{FDFBF36A-7983-4B5A-BFBE-350E49772DF3}"/>
+                <a16:creationId xmlns:a16="http://schemas.microsoft.com/office/drawing/2014/main" id="{FDFBF36A-7983-4B5A-BFBE-350E49772DF3}"/>
               </a:ext>
             </a:extLst>
           </p:cNvPr>
@@ -10860,7 +10748,7 @@
           <p:cNvPr id="4" name="직사각형 3">
             <a:extLst>
               <a:ext uri="{FF2B5EF4-FFF2-40B4-BE49-F238E27FC236}">
-                <a16:creationId xmlns:a16="http://schemas.microsoft.com/office/drawing/2014/main" xmlns="" id="{F82AD1DD-9B61-4699-B895-81BBCA90936A}"/>
+                <a16:creationId xmlns:a16="http://schemas.microsoft.com/office/drawing/2014/main" id="{F82AD1DD-9B61-4699-B895-81BBCA90936A}"/>
               </a:ext>
             </a:extLst>
           </p:cNvPr>
@@ -10912,7 +10800,7 @@
           <p:cNvPr id="5" name="TextBox 4">
             <a:extLst>
               <a:ext uri="{FF2B5EF4-FFF2-40B4-BE49-F238E27FC236}">
-                <a16:creationId xmlns:a16="http://schemas.microsoft.com/office/drawing/2014/main" xmlns="" id="{DBFB44A8-0171-44BB-AAFD-EA48257EF758}"/>
+                <a16:creationId xmlns:a16="http://schemas.microsoft.com/office/drawing/2014/main" id="{DBFB44A8-0171-44BB-AAFD-EA48257EF758}"/>
               </a:ext>
             </a:extLst>
           </p:cNvPr>
@@ -11000,7 +10888,7 @@
           <p:cNvPr id="2" name="제목 1">
             <a:extLst>
               <a:ext uri="{FF2B5EF4-FFF2-40B4-BE49-F238E27FC236}">
-                <a16:creationId xmlns:a16="http://schemas.microsoft.com/office/drawing/2014/main" xmlns="" id="{02BD0D8A-9D68-4B72-B091-43D80B1453E7}"/>
+                <a16:creationId xmlns:a16="http://schemas.microsoft.com/office/drawing/2014/main" id="{02BD0D8A-9D68-4B72-B091-43D80B1453E7}"/>
               </a:ext>
             </a:extLst>
           </p:cNvPr>
@@ -11030,7 +10918,7 @@
           <p:cNvPr id="3" name="내용 개체 틀 2">
             <a:extLst>
               <a:ext uri="{FF2B5EF4-FFF2-40B4-BE49-F238E27FC236}">
-                <a16:creationId xmlns:a16="http://schemas.microsoft.com/office/drawing/2014/main" xmlns="" id="{5FBB3FCF-A8A5-4366-BA97-7BCF6D095996}"/>
+                <a16:creationId xmlns:a16="http://schemas.microsoft.com/office/drawing/2014/main" id="{5FBB3FCF-A8A5-4366-BA97-7BCF6D095996}"/>
               </a:ext>
             </a:extLst>
           </p:cNvPr>
@@ -11175,7 +11063,7 @@
           <p:cNvPr id="11" name="그림 10">
             <a:extLst>
               <a:ext uri="{FF2B5EF4-FFF2-40B4-BE49-F238E27FC236}">
-                <a16:creationId xmlns:a16="http://schemas.microsoft.com/office/drawing/2014/main" xmlns="" id="{25AE183A-A30D-4F1B-96DA-A6BDD133C6A6}"/>
+                <a16:creationId xmlns:a16="http://schemas.microsoft.com/office/drawing/2014/main" id="{25AE183A-A30D-4F1B-96DA-A6BDD133C6A6}"/>
               </a:ext>
             </a:extLst>
           </p:cNvPr>
@@ -11211,7 +11099,7 @@
           <p:cNvPr id="12" name="TextBox 11">
             <a:extLst>
               <a:ext uri="{FF2B5EF4-FFF2-40B4-BE49-F238E27FC236}">
-                <a16:creationId xmlns:a16="http://schemas.microsoft.com/office/drawing/2014/main" xmlns="" id="{D536D126-E7D8-4991-9DB9-E570CE1734B4}"/>
+                <a16:creationId xmlns:a16="http://schemas.microsoft.com/office/drawing/2014/main" id="{D536D126-E7D8-4991-9DB9-E570CE1734B4}"/>
               </a:ext>
             </a:extLst>
           </p:cNvPr>
@@ -11278,7 +11166,7 @@
           <p:cNvPr id="2" name="제목 1">
             <a:extLst>
               <a:ext uri="{FF2B5EF4-FFF2-40B4-BE49-F238E27FC236}">
-                <a16:creationId xmlns:a16="http://schemas.microsoft.com/office/drawing/2014/main" xmlns="" id="{02BD0D8A-9D68-4B72-B091-43D80B1453E7}"/>
+                <a16:creationId xmlns:a16="http://schemas.microsoft.com/office/drawing/2014/main" id="{02BD0D8A-9D68-4B72-B091-43D80B1453E7}"/>
               </a:ext>
             </a:extLst>
           </p:cNvPr>
@@ -11308,7 +11196,7 @@
           <p:cNvPr id="3" name="내용 개체 틀 2">
             <a:extLst>
               <a:ext uri="{FF2B5EF4-FFF2-40B4-BE49-F238E27FC236}">
-                <a16:creationId xmlns:a16="http://schemas.microsoft.com/office/drawing/2014/main" xmlns="" id="{5FBB3FCF-A8A5-4366-BA97-7BCF6D095996}"/>
+                <a16:creationId xmlns:a16="http://schemas.microsoft.com/office/drawing/2014/main" id="{5FBB3FCF-A8A5-4366-BA97-7BCF6D095996}"/>
               </a:ext>
             </a:extLst>
           </p:cNvPr>
@@ -11386,13 +11274,9 @@
             </a:r>
             <a:r>
               <a:rPr lang="ko-KR" altLang="en-US" sz="2400" dirty="0"/>
-              <a:t>월 </a:t>
-            </a:r>
-            <a:r>
-              <a:rPr lang="ko-KR" altLang="en-US" sz="2400" dirty="0" smtClean="0"/>
-              <a:t>초까지</a:t>
-            </a:r>
-            <a:endParaRPr lang="en-US" altLang="ko-KR" sz="2400" dirty="0" smtClean="0"/>
+              <a:t>월 초까지</a:t>
+            </a:r>
+            <a:endParaRPr lang="en-US" altLang="ko-KR" sz="2400" dirty="0"/>
           </a:p>
           <a:p>
             <a:r>
@@ -11400,7 +11284,7 @@
               <a:t> </a:t>
             </a:r>
             <a:r>
-              <a:rPr lang="ko-KR" altLang="en-US" sz="2400" dirty="0" smtClean="0"/>
+              <a:rPr lang="ko-KR" altLang="en-US" sz="2400" dirty="0"/>
               <a:t>음성 패턴 인식 알고리즘 제작</a:t>
             </a:r>
             <a:endParaRPr lang="en-US" altLang="ko-KR" sz="2400" dirty="0"/>
@@ -11408,7 +11292,7 @@
           <a:p>
             <a:pPr lvl="1"/>
             <a:r>
-              <a:rPr lang="ko-KR" altLang="en-US" sz="2100" dirty="0" smtClean="0"/>
+              <a:rPr lang="ko-KR" altLang="en-US" sz="2100" dirty="0"/>
               <a:t>음성 패턴 생성 알고리즘</a:t>
             </a:r>
             <a:endParaRPr lang="en-US" altLang="ko-KR" sz="2100" dirty="0"/>
@@ -11435,7 +11319,7 @@
           <p:cNvPr id="8" name="그룹 7">
             <a:extLst>
               <a:ext uri="{FF2B5EF4-FFF2-40B4-BE49-F238E27FC236}">
-                <a16:creationId xmlns:a16="http://schemas.microsoft.com/office/drawing/2014/main" xmlns="" id="{DB53BCB2-023F-429A-AF2E-096F7EC50CA3}"/>
+                <a16:creationId xmlns:a16="http://schemas.microsoft.com/office/drawing/2014/main" id="{DB53BCB2-023F-429A-AF2E-096F7EC50CA3}"/>
               </a:ext>
             </a:extLst>
           </p:cNvPr>
@@ -11455,7 +11339,7 @@
             <p:cNvPr id="9" name="그림 8" descr="벽, 잭, 실내, 전자기기이(가) 표시된 사진&#10;&#10;매우 높은 신뢰도로 생성된 설명">
               <a:extLst>
                 <a:ext uri="{FF2B5EF4-FFF2-40B4-BE49-F238E27FC236}">
-                  <a16:creationId xmlns:a16="http://schemas.microsoft.com/office/drawing/2014/main" xmlns="" id="{9BC77EFD-50C6-4340-9E31-83F746E54DF2}"/>
+                  <a16:creationId xmlns:a16="http://schemas.microsoft.com/office/drawing/2014/main" id="{9BC77EFD-50C6-4340-9E31-83F746E54DF2}"/>
                 </a:ext>
               </a:extLst>
             </p:cNvPr>
@@ -11490,7 +11374,7 @@
             <p:cNvPr id="10" name="TextBox 9">
               <a:extLst>
                 <a:ext uri="{FF2B5EF4-FFF2-40B4-BE49-F238E27FC236}">
-                  <a16:creationId xmlns:a16="http://schemas.microsoft.com/office/drawing/2014/main" xmlns="" id="{C38B9B0C-47C9-4263-9C73-82C39EBB3C17}"/>
+                  <a16:creationId xmlns:a16="http://schemas.microsoft.com/office/drawing/2014/main" id="{C38B9B0C-47C9-4263-9C73-82C39EBB3C17}"/>
                 </a:ext>
               </a:extLst>
             </p:cNvPr>
@@ -11557,7 +11441,7 @@
           <p:cNvPr id="2" name="제목 1">
             <a:extLst>
               <a:ext uri="{FF2B5EF4-FFF2-40B4-BE49-F238E27FC236}">
-                <a16:creationId xmlns:a16="http://schemas.microsoft.com/office/drawing/2014/main" xmlns="" id="{02BD0D8A-9D68-4B72-B091-43D80B1453E7}"/>
+                <a16:creationId xmlns:a16="http://schemas.microsoft.com/office/drawing/2014/main" id="{02BD0D8A-9D68-4B72-B091-43D80B1453E7}"/>
               </a:ext>
             </a:extLst>
           </p:cNvPr>
@@ -11587,7 +11471,7 @@
           <p:cNvPr id="3" name="내용 개체 틀 2">
             <a:extLst>
               <a:ext uri="{FF2B5EF4-FFF2-40B4-BE49-F238E27FC236}">
-                <a16:creationId xmlns:a16="http://schemas.microsoft.com/office/drawing/2014/main" xmlns="" id="{5FBB3FCF-A8A5-4366-BA97-7BCF6D095996}"/>
+                <a16:creationId xmlns:a16="http://schemas.microsoft.com/office/drawing/2014/main" id="{5FBB3FCF-A8A5-4366-BA97-7BCF6D095996}"/>
               </a:ext>
             </a:extLst>
           </p:cNvPr>
@@ -11730,7 +11614,7 @@
           <p:cNvPr id="2" name="제목 1">
             <a:extLst>
               <a:ext uri="{FF2B5EF4-FFF2-40B4-BE49-F238E27FC236}">
-                <a16:creationId xmlns:a16="http://schemas.microsoft.com/office/drawing/2014/main" xmlns="" id="{DED9BAC3-EB7F-4C37-A12F-AAC7B8E6A4DE}"/>
+                <a16:creationId xmlns:a16="http://schemas.microsoft.com/office/drawing/2014/main" id="{DED9BAC3-EB7F-4C37-A12F-AAC7B8E6A4DE}"/>
               </a:ext>
             </a:extLst>
           </p:cNvPr>
@@ -11760,7 +11644,7 @@
           <p:cNvPr id="3" name="내용 개체 틀 2">
             <a:extLst>
               <a:ext uri="{FF2B5EF4-FFF2-40B4-BE49-F238E27FC236}">
-                <a16:creationId xmlns:a16="http://schemas.microsoft.com/office/drawing/2014/main" xmlns="" id="{CA892A46-2C9A-4DDF-9E65-AB93361F5B3E}"/>
+                <a16:creationId xmlns:a16="http://schemas.microsoft.com/office/drawing/2014/main" id="{CA892A46-2C9A-4DDF-9E65-AB93361F5B3E}"/>
               </a:ext>
             </a:extLst>
           </p:cNvPr>
@@ -11898,7 +11782,7 @@
           <p:cNvPr id="2" name="제목 1">
             <a:extLst>
               <a:ext uri="{FF2B5EF4-FFF2-40B4-BE49-F238E27FC236}">
-                <a16:creationId xmlns:a16="http://schemas.microsoft.com/office/drawing/2014/main" xmlns="" id="{2EB2F3ED-2C91-4EFF-B792-F31133D1C823}"/>
+                <a16:creationId xmlns:a16="http://schemas.microsoft.com/office/drawing/2014/main" id="{2EB2F3ED-2C91-4EFF-B792-F31133D1C823}"/>
               </a:ext>
             </a:extLst>
           </p:cNvPr>
@@ -11928,7 +11812,7 @@
           <p:cNvPr id="3" name="내용 개체 틀 2">
             <a:extLst>
               <a:ext uri="{FF2B5EF4-FFF2-40B4-BE49-F238E27FC236}">
-                <a16:creationId xmlns:a16="http://schemas.microsoft.com/office/drawing/2014/main" xmlns="" id="{4BBFDB0E-59AA-4CD9-B467-215FF0E260FA}"/>
+                <a16:creationId xmlns:a16="http://schemas.microsoft.com/office/drawing/2014/main" id="{4BBFDB0E-59AA-4CD9-B467-215FF0E260FA}"/>
               </a:ext>
             </a:extLst>
           </p:cNvPr>
@@ -12031,7 +11915,7 @@
           <p:cNvPr id="7" name="Picture 2" descr="Clap">
             <a:extLst>
               <a:ext uri="{FF2B5EF4-FFF2-40B4-BE49-F238E27FC236}">
-                <a16:creationId xmlns:a16="http://schemas.microsoft.com/office/drawing/2014/main" xmlns="" id="{7F6896CB-385B-40BE-8209-792BF589F368}"/>
+                <a16:creationId xmlns:a16="http://schemas.microsoft.com/office/drawing/2014/main" id="{7F6896CB-385B-40BE-8209-792BF589F368}"/>
               </a:ext>
             </a:extLst>
           </p:cNvPr>
@@ -12113,7 +11997,7 @@
           <p:cNvPr id="2" name="제목 1">
             <a:extLst>
               <a:ext uri="{FF2B5EF4-FFF2-40B4-BE49-F238E27FC236}">
-                <a16:creationId xmlns:a16="http://schemas.microsoft.com/office/drawing/2014/main" xmlns="" id="{97436F8D-C45E-4783-B96F-3ABF903DF6D4}"/>
+                <a16:creationId xmlns:a16="http://schemas.microsoft.com/office/drawing/2014/main" id="{97436F8D-C45E-4783-B96F-3ABF903DF6D4}"/>
               </a:ext>
             </a:extLst>
           </p:cNvPr>
@@ -12143,7 +12027,7 @@
           <p:cNvPr id="3" name="내용 개체 틀 2">
             <a:extLst>
               <a:ext uri="{FF2B5EF4-FFF2-40B4-BE49-F238E27FC236}">
-                <a16:creationId xmlns:a16="http://schemas.microsoft.com/office/drawing/2014/main" xmlns="" id="{F0739FEC-29D5-46BF-AE12-F280FB7D6B1C}"/>
+                <a16:creationId xmlns:a16="http://schemas.microsoft.com/office/drawing/2014/main" id="{F0739FEC-29D5-46BF-AE12-F280FB7D6B1C}"/>
               </a:ext>
             </a:extLst>
           </p:cNvPr>
@@ -12183,7 +12067,7 @@
           <p:cNvPr id="4" name="Picture 2" descr="blueprint roll에 대한 이미지 검색결과">
             <a:extLst>
               <a:ext uri="{FF2B5EF4-FFF2-40B4-BE49-F238E27FC236}">
-                <a16:creationId xmlns:a16="http://schemas.microsoft.com/office/drawing/2014/main" xmlns="" id="{E7C46538-C3E4-4A8C-BD90-9CA65397ED64}"/>
+                <a16:creationId xmlns:a16="http://schemas.microsoft.com/office/drawing/2014/main" id="{E7C46538-C3E4-4A8C-BD90-9CA65397ED64}"/>
               </a:ext>
             </a:extLst>
           </p:cNvPr>
@@ -12260,7 +12144,7 @@
           <p:cNvPr id="15" name="내용 개체 틀 4">
             <a:extLst>
               <a:ext uri="{FF2B5EF4-FFF2-40B4-BE49-F238E27FC236}">
-                <a16:creationId xmlns:a16="http://schemas.microsoft.com/office/drawing/2014/main" xmlns="" id="{95365806-ADEF-4627-AA73-8CB0A0A5410D}"/>
+                <a16:creationId xmlns:a16="http://schemas.microsoft.com/office/drawing/2014/main" id="{95365806-ADEF-4627-AA73-8CB0A0A5410D}"/>
               </a:ext>
             </a:extLst>
           </p:cNvPr>
@@ -12291,7 +12175,7 @@
           <p:cNvPr id="2" name="제목 1">
             <a:extLst>
               <a:ext uri="{FF2B5EF4-FFF2-40B4-BE49-F238E27FC236}">
-                <a16:creationId xmlns:a16="http://schemas.microsoft.com/office/drawing/2014/main" xmlns="" id="{7CF7C95B-DA88-4301-A2B1-B791D304359A}"/>
+                <a16:creationId xmlns:a16="http://schemas.microsoft.com/office/drawing/2014/main" id="{7CF7C95B-DA88-4301-A2B1-B791D304359A}"/>
               </a:ext>
             </a:extLst>
           </p:cNvPr>
@@ -12329,7 +12213,7 @@
           <p:cNvPr id="9" name="TextBox 8">
             <a:extLst>
               <a:ext uri="{FF2B5EF4-FFF2-40B4-BE49-F238E27FC236}">
-                <a16:creationId xmlns:a16="http://schemas.microsoft.com/office/drawing/2014/main" xmlns="" id="{DED0793B-B108-425F-9D5B-DF05F1458E78}"/>
+                <a16:creationId xmlns:a16="http://schemas.microsoft.com/office/drawing/2014/main" id="{DED0793B-B108-425F-9D5B-DF05F1458E78}"/>
               </a:ext>
             </a:extLst>
           </p:cNvPr>
@@ -12403,7 +12287,7 @@
           <p:cNvPr id="15" name="내용 개체 틀 4">
             <a:extLst>
               <a:ext uri="{FF2B5EF4-FFF2-40B4-BE49-F238E27FC236}">
-                <a16:creationId xmlns:a16="http://schemas.microsoft.com/office/drawing/2014/main" xmlns="" id="{95365806-ADEF-4627-AA73-8CB0A0A5410D}"/>
+                <a16:creationId xmlns:a16="http://schemas.microsoft.com/office/drawing/2014/main" id="{95365806-ADEF-4627-AA73-8CB0A0A5410D}"/>
               </a:ext>
             </a:extLst>
           </p:cNvPr>
@@ -12434,7 +12318,7 @@
           <p:cNvPr id="2" name="제목 1">
             <a:extLst>
               <a:ext uri="{FF2B5EF4-FFF2-40B4-BE49-F238E27FC236}">
-                <a16:creationId xmlns:a16="http://schemas.microsoft.com/office/drawing/2014/main" xmlns="" id="{7CF7C95B-DA88-4301-A2B1-B791D304359A}"/>
+                <a16:creationId xmlns:a16="http://schemas.microsoft.com/office/drawing/2014/main" id="{7CF7C95B-DA88-4301-A2B1-B791D304359A}"/>
               </a:ext>
             </a:extLst>
           </p:cNvPr>
@@ -12472,7 +12356,7 @@
           <p:cNvPr id="9" name="TextBox 8">
             <a:extLst>
               <a:ext uri="{FF2B5EF4-FFF2-40B4-BE49-F238E27FC236}">
-                <a16:creationId xmlns:a16="http://schemas.microsoft.com/office/drawing/2014/main" xmlns="" id="{DED0793B-B108-425F-9D5B-DF05F1458E78}"/>
+                <a16:creationId xmlns:a16="http://schemas.microsoft.com/office/drawing/2014/main" id="{DED0793B-B108-425F-9D5B-DF05F1458E78}"/>
               </a:ext>
             </a:extLst>
           </p:cNvPr>
@@ -12516,7 +12400,7 @@
           <p:cNvPr id="3" name="곱하기 기호 2">
             <a:extLst>
               <a:ext uri="{FF2B5EF4-FFF2-40B4-BE49-F238E27FC236}">
-                <a16:creationId xmlns:a16="http://schemas.microsoft.com/office/drawing/2014/main" xmlns="" id="{7045ABE8-841B-4772-9FE6-0ED5DB0FEBEF}"/>
+                <a16:creationId xmlns:a16="http://schemas.microsoft.com/office/drawing/2014/main" id="{7045ABE8-841B-4772-9FE6-0ED5DB0FEBEF}"/>
               </a:ext>
             </a:extLst>
           </p:cNvPr>
@@ -12602,7 +12486,7 @@
           <p:cNvPr id="2" name="제목 1">
             <a:extLst>
               <a:ext uri="{FF2B5EF4-FFF2-40B4-BE49-F238E27FC236}">
-                <a16:creationId xmlns:a16="http://schemas.microsoft.com/office/drawing/2014/main" xmlns="" id="{7CF7C95B-DA88-4301-A2B1-B791D304359A}"/>
+                <a16:creationId xmlns:a16="http://schemas.microsoft.com/office/drawing/2014/main" id="{7CF7C95B-DA88-4301-A2B1-B791D304359A}"/>
               </a:ext>
             </a:extLst>
           </p:cNvPr>
@@ -12640,7 +12524,7 @@
           <p:cNvPr id="11" name="TextBox 10">
             <a:extLst>
               <a:ext uri="{FF2B5EF4-FFF2-40B4-BE49-F238E27FC236}">
-                <a16:creationId xmlns:a16="http://schemas.microsoft.com/office/drawing/2014/main" xmlns="" id="{3E1D2525-0160-4402-8B0A-1D0154B6DBED}"/>
+                <a16:creationId xmlns:a16="http://schemas.microsoft.com/office/drawing/2014/main" id="{3E1D2525-0160-4402-8B0A-1D0154B6DBED}"/>
               </a:ext>
             </a:extLst>
           </p:cNvPr>
@@ -12680,7 +12564,7 @@
           <p:cNvPr id="15" name="내용 개체 틀 14">
             <a:extLst>
               <a:ext uri="{FF2B5EF4-FFF2-40B4-BE49-F238E27FC236}">
-                <a16:creationId xmlns:a16="http://schemas.microsoft.com/office/drawing/2014/main" xmlns="" id="{02BE284A-8B48-4256-AE05-B07ED5F38710}"/>
+                <a16:creationId xmlns:a16="http://schemas.microsoft.com/office/drawing/2014/main" id="{02BE284A-8B48-4256-AE05-B07ED5F38710}"/>
               </a:ext>
             </a:extLst>
           </p:cNvPr>
@@ -12742,7 +12626,7 @@
           <p:cNvPr id="8" name="내용 개체 틀 7">
             <a:extLst>
               <a:ext uri="{FF2B5EF4-FFF2-40B4-BE49-F238E27FC236}">
-                <a16:creationId xmlns:a16="http://schemas.microsoft.com/office/drawing/2014/main" xmlns="" id="{F68DC5A3-5A04-4E89-AB66-F8EF7E2F1C14}"/>
+                <a16:creationId xmlns:a16="http://schemas.microsoft.com/office/drawing/2014/main" id="{F68DC5A3-5A04-4E89-AB66-F8EF7E2F1C14}"/>
               </a:ext>
             </a:extLst>
           </p:cNvPr>
@@ -12774,7 +12658,7 @@
           <p:cNvPr id="2" name="제목 1">
             <a:extLst>
               <a:ext uri="{FF2B5EF4-FFF2-40B4-BE49-F238E27FC236}">
-                <a16:creationId xmlns:a16="http://schemas.microsoft.com/office/drawing/2014/main" xmlns="" id="{7CF7C95B-DA88-4301-A2B1-B791D304359A}"/>
+                <a16:creationId xmlns:a16="http://schemas.microsoft.com/office/drawing/2014/main" id="{7CF7C95B-DA88-4301-A2B1-B791D304359A}"/>
               </a:ext>
             </a:extLst>
           </p:cNvPr>
@@ -12812,7 +12696,7 @@
           <p:cNvPr id="11" name="TextBox 10">
             <a:extLst>
               <a:ext uri="{FF2B5EF4-FFF2-40B4-BE49-F238E27FC236}">
-                <a16:creationId xmlns:a16="http://schemas.microsoft.com/office/drawing/2014/main" xmlns="" id="{3E1D2525-0160-4402-8B0A-1D0154B6DBED}"/>
+                <a16:creationId xmlns:a16="http://schemas.microsoft.com/office/drawing/2014/main" id="{3E1D2525-0160-4402-8B0A-1D0154B6DBED}"/>
               </a:ext>
             </a:extLst>
           </p:cNvPr>
@@ -12852,7 +12736,7 @@
           <p:cNvPr id="3" name="직사각형 2">
             <a:extLst>
               <a:ext uri="{FF2B5EF4-FFF2-40B4-BE49-F238E27FC236}">
-                <a16:creationId xmlns:a16="http://schemas.microsoft.com/office/drawing/2014/main" xmlns="" id="{7257F011-356E-4C06-B979-A66EC4B2DBC5}"/>
+                <a16:creationId xmlns:a16="http://schemas.microsoft.com/office/drawing/2014/main" id="{7257F011-356E-4C06-B979-A66EC4B2DBC5}"/>
               </a:ext>
             </a:extLst>
           </p:cNvPr>
@@ -12906,7 +12790,7 @@
               <p:cNvPr id="4" name="TextBox 3">
                 <a:extLst>
                   <a:ext uri="{FF2B5EF4-FFF2-40B4-BE49-F238E27FC236}">
-                    <a16:creationId xmlns:a16="http://schemas.microsoft.com/office/drawing/2014/main" xmlns="" id="{52ADB04C-25CC-4F3B-9716-36E68AF5BC3D}"/>
+                    <a16:creationId xmlns:a16="http://schemas.microsoft.com/office/drawing/2014/main" id="{52ADB04C-25CC-4F3B-9716-36E68AF5BC3D}"/>
                   </a:ext>
                 </a:extLst>
               </p:cNvPr>
@@ -13186,7 +13070,7 @@
           <p:cNvPr id="7" name="내용 개체 틀 6">
             <a:extLst>
               <a:ext uri="{FF2B5EF4-FFF2-40B4-BE49-F238E27FC236}">
-                <a16:creationId xmlns:a16="http://schemas.microsoft.com/office/drawing/2014/main" xmlns="" id="{E067D4A9-F279-43A1-8D68-2234623CD165}"/>
+                <a16:creationId xmlns:a16="http://schemas.microsoft.com/office/drawing/2014/main" id="{E067D4A9-F279-43A1-8D68-2234623CD165}"/>
               </a:ext>
             </a:extLst>
           </p:cNvPr>
@@ -13218,7 +13102,7 @@
           <p:cNvPr id="2" name="제목 1">
             <a:extLst>
               <a:ext uri="{FF2B5EF4-FFF2-40B4-BE49-F238E27FC236}">
-                <a16:creationId xmlns:a16="http://schemas.microsoft.com/office/drawing/2014/main" xmlns="" id="{7CF7C95B-DA88-4301-A2B1-B791D304359A}"/>
+                <a16:creationId xmlns:a16="http://schemas.microsoft.com/office/drawing/2014/main" id="{7CF7C95B-DA88-4301-A2B1-B791D304359A}"/>
               </a:ext>
             </a:extLst>
           </p:cNvPr>
@@ -13256,7 +13140,7 @@
           <p:cNvPr id="11" name="TextBox 10">
             <a:extLst>
               <a:ext uri="{FF2B5EF4-FFF2-40B4-BE49-F238E27FC236}">
-                <a16:creationId xmlns:a16="http://schemas.microsoft.com/office/drawing/2014/main" xmlns="" id="{3E1D2525-0160-4402-8B0A-1D0154B6DBED}"/>
+                <a16:creationId xmlns:a16="http://schemas.microsoft.com/office/drawing/2014/main" id="{3E1D2525-0160-4402-8B0A-1D0154B6DBED}"/>
               </a:ext>
             </a:extLst>
           </p:cNvPr>
@@ -13296,7 +13180,7 @@
           <p:cNvPr id="3" name="직사각형 2">
             <a:extLst>
               <a:ext uri="{FF2B5EF4-FFF2-40B4-BE49-F238E27FC236}">
-                <a16:creationId xmlns:a16="http://schemas.microsoft.com/office/drawing/2014/main" xmlns="" id="{7257F011-356E-4C06-B979-A66EC4B2DBC5}"/>
+                <a16:creationId xmlns:a16="http://schemas.microsoft.com/office/drawing/2014/main" id="{7257F011-356E-4C06-B979-A66EC4B2DBC5}"/>
               </a:ext>
             </a:extLst>
           </p:cNvPr>
@@ -13348,7 +13232,7 @@
           <p:cNvPr id="4" name="TextBox 3">
             <a:extLst>
               <a:ext uri="{FF2B5EF4-FFF2-40B4-BE49-F238E27FC236}">
-                <a16:creationId xmlns:a16="http://schemas.microsoft.com/office/drawing/2014/main" xmlns="" id="{52ADB04C-25CC-4F3B-9716-36E68AF5BC3D}"/>
+                <a16:creationId xmlns:a16="http://schemas.microsoft.com/office/drawing/2014/main" id="{52ADB04C-25CC-4F3B-9716-36E68AF5BC3D}"/>
               </a:ext>
             </a:extLst>
           </p:cNvPr>
